--- a/Slides/4 - vector space.pptx
+++ b/Slides/4 - vector space.pptx
@@ -5,7 +5,7 @@
     <p:sldMasterId id="2147483660" r:id="rId1"/>
   </p:sldMasterIdLst>
   <p:notesMasterIdLst>
-    <p:notesMasterId r:id="rId50"/>
+    <p:notesMasterId r:id="rId68"/>
   </p:notesMasterIdLst>
   <p:sldIdLst>
     <p:sldId id="314" r:id="rId2"/>
@@ -41,21 +41,39 @@
     <p:sldId id="342" r:id="rId32"/>
     <p:sldId id="343" r:id="rId33"/>
     <p:sldId id="345" r:id="rId34"/>
-    <p:sldId id="346" r:id="rId35"/>
-    <p:sldId id="348" r:id="rId36"/>
-    <p:sldId id="350" r:id="rId37"/>
-    <p:sldId id="349" r:id="rId38"/>
-    <p:sldId id="352" r:id="rId39"/>
-    <p:sldId id="351" r:id="rId40"/>
-    <p:sldId id="353" r:id="rId41"/>
-    <p:sldId id="354" r:id="rId42"/>
-    <p:sldId id="355" r:id="rId43"/>
-    <p:sldId id="356" r:id="rId44"/>
-    <p:sldId id="360" r:id="rId45"/>
-    <p:sldId id="361" r:id="rId46"/>
-    <p:sldId id="357" r:id="rId47"/>
-    <p:sldId id="358" r:id="rId48"/>
-    <p:sldId id="359" r:id="rId49"/>
+    <p:sldId id="362" r:id="rId35"/>
+    <p:sldId id="346" r:id="rId36"/>
+    <p:sldId id="348" r:id="rId37"/>
+    <p:sldId id="350" r:id="rId38"/>
+    <p:sldId id="349" r:id="rId39"/>
+    <p:sldId id="352" r:id="rId40"/>
+    <p:sldId id="351" r:id="rId41"/>
+    <p:sldId id="353" r:id="rId42"/>
+    <p:sldId id="354" r:id="rId43"/>
+    <p:sldId id="355" r:id="rId44"/>
+    <p:sldId id="356" r:id="rId45"/>
+    <p:sldId id="360" r:id="rId46"/>
+    <p:sldId id="361" r:id="rId47"/>
+    <p:sldId id="357" r:id="rId48"/>
+    <p:sldId id="358" r:id="rId49"/>
+    <p:sldId id="363" r:id="rId50"/>
+    <p:sldId id="368" r:id="rId51"/>
+    <p:sldId id="367" r:id="rId52"/>
+    <p:sldId id="359" r:id="rId53"/>
+    <p:sldId id="366" r:id="rId54"/>
+    <p:sldId id="369" r:id="rId55"/>
+    <p:sldId id="365" r:id="rId56"/>
+    <p:sldId id="371" r:id="rId57"/>
+    <p:sldId id="370" r:id="rId58"/>
+    <p:sldId id="373" r:id="rId59"/>
+    <p:sldId id="372" r:id="rId60"/>
+    <p:sldId id="376" r:id="rId61"/>
+    <p:sldId id="374" r:id="rId62"/>
+    <p:sldId id="375" r:id="rId63"/>
+    <p:sldId id="377" r:id="rId64"/>
+    <p:sldId id="378" r:id="rId65"/>
+    <p:sldId id="379" r:id="rId66"/>
+    <p:sldId id="380" r:id="rId67"/>
   </p:sldIdLst>
   <p:sldSz cx="9144000" cy="6858000" type="screen4x3"/>
   <p:notesSz cx="7099300" cy="10234613"/>
@@ -256,7 +274,7 @@
             <a:fld id="{C21D8395-8308-4C1F-9DBA-3DF845E45F70}" type="datetimeFigureOut">
               <a:rPr lang="en-US" smtClean="0"/>
               <a:pPr/>
-              <a:t>4/15/2021</a:t>
+              <a:t>4/23/2021</a:t>
             </a:fld>
             <a:endParaRPr lang="en-US"/>
           </a:p>
@@ -819,7 +837,7 @@
             <a:fld id="{AF0B54C0-DF1C-4AAE-9447-88959AB36714}" type="datetimeFigureOut">
               <a:rPr lang="en-US" smtClean="0"/>
               <a:pPr/>
-              <a:t>4/15/2021</a:t>
+              <a:t>4/23/2021</a:t>
             </a:fld>
             <a:endParaRPr lang="en-US"/>
           </a:p>
@@ -1012,7 +1030,7 @@
             <a:fld id="{AF0B54C0-DF1C-4AAE-9447-88959AB36714}" type="datetimeFigureOut">
               <a:rPr lang="en-US" smtClean="0"/>
               <a:pPr/>
-              <a:t>4/15/2021</a:t>
+              <a:t>4/23/2021</a:t>
             </a:fld>
             <a:endParaRPr lang="en-US"/>
           </a:p>
@@ -1199,7 +1217,7 @@
             <a:fld id="{AF0B54C0-DF1C-4AAE-9447-88959AB36714}" type="datetimeFigureOut">
               <a:rPr lang="en-US" smtClean="0"/>
               <a:pPr/>
-              <a:t>4/15/2021</a:t>
+              <a:t>4/23/2021</a:t>
             </a:fld>
             <a:endParaRPr lang="en-US"/>
           </a:p>
@@ -1464,7 +1482,7 @@
             <a:fld id="{AF0B54C0-DF1C-4AAE-9447-88959AB36714}" type="datetimeFigureOut">
               <a:rPr lang="en-US" smtClean="0"/>
               <a:pPr/>
-              <a:t>4/15/2021</a:t>
+              <a:t>4/23/2021</a:t>
             </a:fld>
             <a:endParaRPr lang="en-US"/>
           </a:p>
@@ -1882,7 +1900,7 @@
             <a:fld id="{AF0B54C0-DF1C-4AAE-9447-88959AB36714}" type="datetimeFigureOut">
               <a:rPr lang="en-US" smtClean="0"/>
               <a:pPr/>
-              <a:t>4/15/2021</a:t>
+              <a:t>4/23/2021</a:t>
             </a:fld>
             <a:endParaRPr lang="en-US"/>
           </a:p>
@@ -2126,7 +2144,7 @@
             <a:fld id="{AF0B54C0-DF1C-4AAE-9447-88959AB36714}" type="datetimeFigureOut">
               <a:rPr lang="en-US" smtClean="0"/>
               <a:pPr/>
-              <a:t>4/15/2021</a:t>
+              <a:t>4/23/2021</a:t>
             </a:fld>
             <a:endParaRPr lang="en-US"/>
           </a:p>
@@ -2364,7 +2382,7 @@
             <a:fld id="{AF0B54C0-DF1C-4AAE-9447-88959AB36714}" type="datetimeFigureOut">
               <a:rPr lang="en-US" smtClean="0"/>
               <a:pPr/>
-              <a:t>4/15/2021</a:t>
+              <a:t>4/23/2021</a:t>
             </a:fld>
             <a:endParaRPr lang="en-US"/>
           </a:p>
@@ -2561,7 +2579,7 @@
             <a:fld id="{AF0B54C0-DF1C-4AAE-9447-88959AB36714}" type="datetimeFigureOut">
               <a:rPr lang="en-US" smtClean="0"/>
               <a:pPr/>
-              <a:t>4/15/2021</a:t>
+              <a:t>4/23/2021</a:t>
             </a:fld>
             <a:endParaRPr lang="en-US"/>
           </a:p>
@@ -2661,7 +2679,7 @@
             <a:fld id="{AF0B54C0-DF1C-4AAE-9447-88959AB36714}" type="datetimeFigureOut">
               <a:rPr lang="en-US" smtClean="0"/>
               <a:pPr/>
-              <a:t>4/15/2021</a:t>
+              <a:t>4/23/2021</a:t>
             </a:fld>
             <a:endParaRPr lang="en-US"/>
           </a:p>
@@ -2799,7 +2817,7 @@
             <a:fld id="{AF0B54C0-DF1C-4AAE-9447-88959AB36714}" type="datetimeFigureOut">
               <a:rPr lang="en-US" smtClean="0"/>
               <a:pPr/>
-              <a:t>4/15/2021</a:t>
+              <a:t>4/23/2021</a:t>
             </a:fld>
             <a:endParaRPr lang="en-US"/>
           </a:p>
@@ -3319,7 +3337,7 @@
             <a:fld id="{AF0B54C0-DF1C-4AAE-9447-88959AB36714}" type="datetimeFigureOut">
               <a:rPr lang="en-US" smtClean="0"/>
               <a:pPr/>
-              <a:t>4/15/2021</a:t>
+              <a:t>4/23/2021</a:t>
             </a:fld>
             <a:endParaRPr lang="en-US"/>
           </a:p>
@@ -3582,7 +3600,7 @@
             <a:fld id="{AF0B54C0-DF1C-4AAE-9447-88959AB36714}" type="datetimeFigureOut">
               <a:rPr lang="en-US" smtClean="0"/>
               <a:pPr/>
-              <a:t>4/15/2021</a:t>
+              <a:t>4/23/2021</a:t>
             </a:fld>
             <a:endParaRPr lang="en-US"/>
           </a:p>
@@ -5377,11 +5395,7 @@
             </a:r>
             <a:r>
               <a:rPr lang="en-US" dirty="0"/>
-              <a:t>Subspace Spanned by a Set</a:t>
-            </a:r>
-            <a:r>
-              <a:rPr lang="en-US" dirty="0"/>
-              <a:t> </a:t>
+              <a:t>Subspace Spanned by a Set </a:t>
             </a:r>
             <a:br>
               <a:rPr lang="en-US" dirty="0"/>
@@ -5672,11 +5686,7 @@
             </a:r>
             <a:r>
               <a:rPr lang="en-US" dirty="0"/>
-              <a:t>Subspace Spanned by a Set</a:t>
-            </a:r>
-            <a:r>
-              <a:rPr lang="en-US" dirty="0"/>
-              <a:t> </a:t>
+              <a:t>Subspace Spanned by a Set </a:t>
             </a:r>
             <a:br>
               <a:rPr lang="en-US" dirty="0"/>
@@ -7332,11 +7342,7 @@
             </a:r>
             <a:r>
               <a:rPr lang="en-US" dirty="0"/>
-              <a:t> A</a:t>
-            </a:r>
-            <a:r>
-              <a:rPr lang="en-US" dirty="0"/>
-              <a:t> </a:t>
+              <a:t> A </a:t>
             </a:r>
             <a:br>
               <a:rPr lang="en-US" dirty="0"/>
@@ -7527,34 +7533,10 @@
           </a:prstGeom>
         </p:spPr>
       </p:pic>
-      <p:pic>
-        <p:nvPicPr>
-          <p:cNvPr id="5" name="Picture 4"/>
-          <p:cNvPicPr>
-            <a:picLocks noChangeAspect="1"/>
-          </p:cNvPicPr>
-          <p:nvPr/>
-        </p:nvPicPr>
-        <p:blipFill>
-          <a:blip r:embed="rId3"/>
-          <a:stretch>
-            <a:fillRect/>
-          </a:stretch>
-        </p:blipFill>
-        <p:spPr>
-          <a:xfrm>
-            <a:off x="1143000" y="4724400"/>
-            <a:ext cx="5962650" cy="971550"/>
-          </a:xfrm>
-          <a:prstGeom prst="rect">
-            <a:avLst/>
-          </a:prstGeom>
-        </p:spPr>
-      </p:pic>
     </p:spTree>
     <p:extLst>
       <p:ext uri="{BB962C8B-B14F-4D97-AF65-F5344CB8AC3E}">
-        <p14:creationId xmlns:p14="http://schemas.microsoft.com/office/powerpoint/2010/main" val="3519238982"/>
+        <p14:creationId xmlns:p14="http://schemas.microsoft.com/office/powerpoint/2010/main" val="3484415457"/>
       </p:ext>
     </p:extLst>
   </p:cSld>
@@ -7581,6 +7563,211 @@
           <a:chExt cx="0" cy="0"/>
         </a:xfrm>
       </p:grpSpPr>
+      <p:sp>
+        <p:nvSpPr>
+          <p:cNvPr id="2" name="Title 1"/>
+          <p:cNvSpPr>
+            <a:spLocks noGrp="1"/>
+          </p:cNvSpPr>
+          <p:nvPr>
+            <p:ph type="title"/>
+          </p:nvPr>
+        </p:nvSpPr>
+        <p:spPr/>
+        <p:txBody>
+          <a:bodyPr>
+            <a:normAutofit fontScale="90000"/>
+          </a:bodyPr>
+          <a:lstStyle/>
+          <a:p>
+            <a:r>
+              <a:rPr lang="en-US" dirty="0" smtClean="0"/>
+              <a:t/>
+            </a:r>
+            <a:br>
+              <a:rPr lang="en-US" dirty="0" smtClean="0"/>
+            </a:br>
+            <a:r>
+              <a:rPr lang="en-US" dirty="0" smtClean="0"/>
+              <a:t>An </a:t>
+            </a:r>
+            <a:r>
+              <a:rPr lang="en-US" dirty="0"/>
+              <a:t>Explicit Description of </a:t>
+            </a:r>
+            <a:r>
+              <a:rPr lang="en-US" dirty="0" err="1"/>
+              <a:t>Nul</a:t>
+            </a:r>
+            <a:r>
+              <a:rPr lang="en-US" dirty="0"/>
+              <a:t> A </a:t>
+            </a:r>
+            <a:br>
+              <a:rPr lang="en-US" dirty="0"/>
+            </a:br>
+            <a:endParaRPr lang="en-US" dirty="0"/>
+          </a:p>
+        </p:txBody>
+      </p:sp>
+      <p:sp>
+        <p:nvSpPr>
+          <p:cNvPr id="3" name="Rectangle 2"/>
+          <p:cNvSpPr/>
+          <p:nvPr/>
+        </p:nvSpPr>
+        <p:spPr>
+          <a:xfrm>
+            <a:off x="228600" y="1752600"/>
+            <a:ext cx="8763000" cy="1200329"/>
+          </a:xfrm>
+          <a:prstGeom prst="rect">
+            <a:avLst/>
+          </a:prstGeom>
+        </p:spPr>
+        <p:txBody>
+          <a:bodyPr wrap="square">
+            <a:spAutoFit/>
+          </a:bodyPr>
+          <a:lstStyle/>
+          <a:p>
+            <a:r>
+              <a:rPr lang="en-US" dirty="0">
+                <a:solidFill>
+                  <a:srgbClr val="242021"/>
+                </a:solidFill>
+                <a:latin typeface="Times-Roman"/>
+              </a:rPr>
+              <a:t>There is no obvious relation between vectors in </a:t>
+            </a:r>
+            <a:r>
+              <a:rPr lang="en-US" dirty="0" err="1">
+                <a:solidFill>
+                  <a:srgbClr val="242021"/>
+                </a:solidFill>
+                <a:latin typeface="Times-Roman"/>
+              </a:rPr>
+              <a:t>Nul</a:t>
+            </a:r>
+            <a:r>
+              <a:rPr lang="en-US" dirty="0">
+                <a:solidFill>
+                  <a:srgbClr val="242021"/>
+                </a:solidFill>
+                <a:latin typeface="Times-Roman"/>
+              </a:rPr>
+              <a:t> </a:t>
+            </a:r>
+            <a:r>
+              <a:rPr lang="en-US" dirty="0">
+                <a:solidFill>
+                  <a:srgbClr val="242021"/>
+                </a:solidFill>
+                <a:latin typeface="MT2MIT"/>
+              </a:rPr>
+              <a:t>A </a:t>
+            </a:r>
+            <a:r>
+              <a:rPr lang="en-US" dirty="0">
+                <a:solidFill>
+                  <a:srgbClr val="242021"/>
+                </a:solidFill>
+                <a:latin typeface="Times-Roman"/>
+              </a:rPr>
+              <a:t>and the entries in </a:t>
+            </a:r>
+            <a:r>
+              <a:rPr lang="en-US" dirty="0">
+                <a:solidFill>
+                  <a:srgbClr val="242021"/>
+                </a:solidFill>
+                <a:latin typeface="MT2MIT"/>
+              </a:rPr>
+              <a:t>A</a:t>
+            </a:r>
+            <a:r>
+              <a:rPr lang="en-US" dirty="0">
+                <a:solidFill>
+                  <a:srgbClr val="242021"/>
+                </a:solidFill>
+                <a:latin typeface="Times-Roman"/>
+              </a:rPr>
+              <a:t>. We say </a:t>
+            </a:r>
+            <a:r>
+              <a:rPr lang="en-US" dirty="0" smtClean="0">
+                <a:solidFill>
+                  <a:srgbClr val="242021"/>
+                </a:solidFill>
+                <a:latin typeface="Times-Roman"/>
+              </a:rPr>
+              <a:t>that </a:t>
+            </a:r>
+            <a:r>
+              <a:rPr lang="en-US" dirty="0" err="1" smtClean="0">
+                <a:solidFill>
+                  <a:srgbClr val="242021"/>
+                </a:solidFill>
+                <a:latin typeface="Times-Roman"/>
+              </a:rPr>
+              <a:t>Nul</a:t>
+            </a:r>
+            <a:r>
+              <a:rPr lang="en-US" dirty="0" smtClean="0">
+                <a:solidFill>
+                  <a:srgbClr val="242021"/>
+                </a:solidFill>
+                <a:latin typeface="Times-Roman"/>
+              </a:rPr>
+              <a:t> </a:t>
+            </a:r>
+            <a:r>
+              <a:rPr lang="en-US" dirty="0">
+                <a:solidFill>
+                  <a:srgbClr val="242021"/>
+                </a:solidFill>
+                <a:latin typeface="MT2MIT"/>
+              </a:rPr>
+              <a:t>A </a:t>
+            </a:r>
+            <a:r>
+              <a:rPr lang="en-US" dirty="0">
+                <a:solidFill>
+                  <a:srgbClr val="242021"/>
+                </a:solidFill>
+                <a:latin typeface="Times-Roman"/>
+              </a:rPr>
+              <a:t>is defined </a:t>
+            </a:r>
+            <a:r>
+              <a:rPr lang="en-US" i="1" dirty="0">
+                <a:solidFill>
+                  <a:srgbClr val="242021"/>
+                </a:solidFill>
+                <a:latin typeface="Times-Italic"/>
+              </a:rPr>
+              <a:t>implicitly</a:t>
+            </a:r>
+            <a:r>
+              <a:rPr lang="en-US" dirty="0">
+                <a:solidFill>
+                  <a:srgbClr val="242021"/>
+                </a:solidFill>
+                <a:latin typeface="Times-Roman"/>
+              </a:rPr>
+              <a:t>, because it is defined by a condition that must be checked.</a:t>
+            </a:r>
+            <a:r>
+              <a:rPr lang="en-US" dirty="0"/>
+              <a:t> </a:t>
+            </a:r>
+            <a:br>
+              <a:rPr lang="en-US" dirty="0"/>
+            </a:br>
+            <a:endParaRPr lang="en-US" dirty="0"/>
+          </a:p>
+        </p:txBody>
+      </p:sp>
       <p:pic>
         <p:nvPicPr>
           <p:cNvPr id="4" name="Picture 3"/>
@@ -7597,8 +7784,8 @@
         </p:blipFill>
         <p:spPr>
           <a:xfrm>
-            <a:off x="565241" y="3109913"/>
-            <a:ext cx="2600325" cy="1400175"/>
+            <a:off x="304800" y="2952929"/>
+            <a:ext cx="5810250" cy="1228725"/>
           </a:xfrm>
           <a:prstGeom prst="rect">
             <a:avLst/>
@@ -7607,7 +7794,7 @@
       </p:pic>
       <p:pic>
         <p:nvPicPr>
-          <p:cNvPr id="6" name="Picture 5"/>
+          <p:cNvPr id="5" name="Picture 4"/>
           <p:cNvPicPr>
             <a:picLocks noChangeAspect="1"/>
           </p:cNvPicPr>
@@ -7621,8 +7808,8 @@
         </p:blipFill>
         <p:spPr>
           <a:xfrm>
-            <a:off x="1179467" y="2363289"/>
-            <a:ext cx="5038725" cy="219075"/>
+            <a:off x="1143000" y="4724400"/>
+            <a:ext cx="5962650" cy="971550"/>
           </a:xfrm>
           <a:prstGeom prst="rect">
             <a:avLst/>
@@ -7632,7 +7819,7 @@
     </p:spTree>
     <p:extLst>
       <p:ext uri="{BB962C8B-B14F-4D97-AF65-F5344CB8AC3E}">
-        <p14:creationId xmlns:p14="http://schemas.microsoft.com/office/powerpoint/2010/main" val="2277551570"/>
+        <p14:creationId xmlns:p14="http://schemas.microsoft.com/office/powerpoint/2010/main" val="3519238982"/>
       </p:ext>
     </p:extLst>
   </p:cSld>
@@ -7685,7 +7872,7 @@
       </p:pic>
       <p:pic>
         <p:nvPicPr>
-          <p:cNvPr id="3" name="Picture 2"/>
+          <p:cNvPr id="6" name="Picture 5"/>
           <p:cNvPicPr>
             <a:picLocks noChangeAspect="1"/>
           </p:cNvPicPr>
@@ -7699,95 +7886,18 @@
         </p:blipFill>
         <p:spPr>
           <a:xfrm>
-            <a:off x="3165566" y="2971800"/>
-            <a:ext cx="3124200" cy="1676400"/>
-          </a:xfrm>
-          <a:prstGeom prst="rect">
-            <a:avLst/>
-          </a:prstGeom>
-        </p:spPr>
-      </p:pic>
-      <p:pic>
-        <p:nvPicPr>
-          <p:cNvPr id="5" name="Picture 4"/>
-          <p:cNvPicPr>
-            <a:picLocks noChangeAspect="1"/>
-          </p:cNvPicPr>
-          <p:nvPr/>
-        </p:nvPicPr>
-        <p:blipFill>
-          <a:blip r:embed="rId4"/>
-          <a:stretch>
-            <a:fillRect/>
-          </a:stretch>
-        </p:blipFill>
-        <p:spPr>
-          <a:xfrm>
-            <a:off x="1179467" y="4862513"/>
-            <a:ext cx="1962150" cy="495300"/>
-          </a:xfrm>
-          <a:prstGeom prst="rect">
-            <a:avLst/>
-          </a:prstGeom>
-        </p:spPr>
-      </p:pic>
-      <p:pic>
-        <p:nvPicPr>
-          <p:cNvPr id="6" name="Picture 5"/>
-          <p:cNvPicPr>
-            <a:picLocks noChangeAspect="1"/>
-          </p:cNvPicPr>
-          <p:nvPr/>
-        </p:nvPicPr>
-        <p:blipFill>
-          <a:blip r:embed="rId5"/>
-          <a:stretch>
-            <a:fillRect/>
-          </a:stretch>
-        </p:blipFill>
-        <p:spPr>
-          <a:xfrm>
             <a:off x="1179467" y="2363289"/>
             <a:ext cx="5038725" cy="219075"/>
           </a:xfrm>
           <a:prstGeom prst="rect">
             <a:avLst/>
           </a:prstGeom>
-        </p:spPr>
-      </p:pic>
-      <p:pic>
-        <p:nvPicPr>
-          <p:cNvPr id="7" name="Picture 6"/>
-          <p:cNvPicPr>
-            <a:picLocks noChangeAspect="1"/>
-          </p:cNvPicPr>
-          <p:nvPr/>
-        </p:nvPicPr>
-        <p:blipFill>
-          <a:blip r:embed="rId6"/>
-          <a:stretch>
-            <a:fillRect/>
-          </a:stretch>
-        </p:blipFill>
-        <p:spPr>
-          <a:xfrm>
-            <a:off x="2514600" y="5943600"/>
-            <a:ext cx="3974592" cy="304800"/>
-          </a:xfrm>
-          <a:prstGeom prst="rect">
-            <a:avLst/>
-          </a:prstGeom>
-          <a:ln w="22225">
-            <a:solidFill>
-              <a:srgbClr val="FF3300"/>
-            </a:solidFill>
-          </a:ln>
         </p:spPr>
       </p:pic>
     </p:spTree>
     <p:extLst>
       <p:ext uri="{BB962C8B-B14F-4D97-AF65-F5344CB8AC3E}">
-        <p14:creationId xmlns:p14="http://schemas.microsoft.com/office/powerpoint/2010/main" val="3342064159"/>
+        <p14:creationId xmlns:p14="http://schemas.microsoft.com/office/powerpoint/2010/main" val="2277551570"/>
       </p:ext>
     </p:extLst>
   </p:cSld>
@@ -7910,71 +8020,39 @@
           </a:prstGeom>
         </p:spPr>
       </p:pic>
-      <p:sp>
-        <p:nvSpPr>
-          <p:cNvPr id="2" name="Oval Callout 1"/>
-          <p:cNvSpPr/>
-          <p:nvPr/>
-        </p:nvSpPr>
-        <p:spPr>
-          <a:xfrm>
-            <a:off x="3886200" y="5181600"/>
-            <a:ext cx="4343400" cy="1447800"/>
-          </a:xfrm>
-          <a:prstGeom prst="wedgeEllipseCallout">
-            <a:avLst>
-              <a:gd name="adj1" fmla="val -23764"/>
-              <a:gd name="adj2" fmla="val -99404"/>
-            </a:avLst>
-          </a:prstGeom>
-          <a:solidFill>
-            <a:srgbClr val="7030A0"/>
-          </a:solidFill>
-        </p:spPr>
-        <p:style>
-          <a:lnRef idx="2">
-            <a:schemeClr val="accent1">
-              <a:shade val="50000"/>
-            </a:schemeClr>
-          </a:lnRef>
-          <a:fillRef idx="1">
-            <a:schemeClr val="accent1"/>
-          </a:fillRef>
-          <a:effectRef idx="0">
-            <a:schemeClr val="accent1"/>
-          </a:effectRef>
-          <a:fontRef idx="minor">
-            <a:schemeClr val="lt1"/>
-          </a:fontRef>
-        </p:style>
-        <p:txBody>
-          <a:bodyPr rtlCol="0" anchor="ctr"/>
-          <a:lstStyle/>
-          <a:p>
-            <a:pPr marL="342900" indent="-342900" algn="ctr">
-              <a:buAutoNum type="arabicPeriod"/>
-            </a:pPr>
-            <a:r>
-              <a:rPr lang="en-US" dirty="0" smtClean="0"/>
-              <a:t>Linearly independent</a:t>
-            </a:r>
-          </a:p>
-          <a:p>
-            <a:pPr marL="342900" indent="-342900" algn="ctr">
-              <a:buAutoNum type="arabicPeriod"/>
-            </a:pPr>
-            <a:r>
-              <a:rPr lang="en-US" dirty="0" smtClean="0"/>
-              <a:t>Number of free variables</a:t>
-            </a:r>
-            <a:endParaRPr lang="en-US" dirty="0"/>
-          </a:p>
-        </p:txBody>
-      </p:sp>
+      <p:pic>
+        <p:nvPicPr>
+          <p:cNvPr id="7" name="Picture 6"/>
+          <p:cNvPicPr>
+            <a:picLocks noChangeAspect="1"/>
+          </p:cNvPicPr>
+          <p:nvPr/>
+        </p:nvPicPr>
+        <p:blipFill>
+          <a:blip r:embed="rId6"/>
+          <a:stretch>
+            <a:fillRect/>
+          </a:stretch>
+        </p:blipFill>
+        <p:spPr>
+          <a:xfrm>
+            <a:off x="2514600" y="5943600"/>
+            <a:ext cx="3974592" cy="304800"/>
+          </a:xfrm>
+          <a:prstGeom prst="rect">
+            <a:avLst/>
+          </a:prstGeom>
+          <a:ln w="22225">
+            <a:solidFill>
+              <a:srgbClr val="FF3300"/>
+            </a:solidFill>
+          </a:ln>
+        </p:spPr>
+      </p:pic>
     </p:spTree>
     <p:extLst>
       <p:ext uri="{BB962C8B-B14F-4D97-AF65-F5344CB8AC3E}">
-        <p14:creationId xmlns:p14="http://schemas.microsoft.com/office/powerpoint/2010/main" val="4029298078"/>
+        <p14:creationId xmlns:p14="http://schemas.microsoft.com/office/powerpoint/2010/main" val="3342064159"/>
       </p:ext>
     </p:extLst>
   </p:cSld>
@@ -8001,49 +8079,6 @@
           <a:chExt cx="0" cy="0"/>
         </a:xfrm>
       </p:grpSpPr>
-      <p:sp>
-        <p:nvSpPr>
-          <p:cNvPr id="2" name="Title 1"/>
-          <p:cNvSpPr>
-            <a:spLocks noGrp="1"/>
-          </p:cNvSpPr>
-          <p:nvPr>
-            <p:ph type="title"/>
-          </p:nvPr>
-        </p:nvSpPr>
-        <p:spPr/>
-        <p:txBody>
-          <a:bodyPr>
-            <a:normAutofit fontScale="90000"/>
-          </a:bodyPr>
-          <a:lstStyle/>
-          <a:p>
-            <a:r>
-              <a:rPr lang="en-US" dirty="0" smtClean="0"/>
-              <a:t/>
-            </a:r>
-            <a:br>
-              <a:rPr lang="en-US" dirty="0" smtClean="0"/>
-            </a:br>
-            <a:r>
-              <a:rPr lang="en-US" dirty="0" smtClean="0"/>
-              <a:t>Column </a:t>
-            </a:r>
-            <a:r>
-              <a:rPr lang="en-US" dirty="0"/>
-              <a:t>Space of a Matrix</a:t>
-            </a:r>
-            <a:r>
-              <a:rPr lang="en-US" dirty="0"/>
-              <a:t> </a:t>
-            </a:r>
-            <a:br>
-              <a:rPr lang="en-US" dirty="0"/>
-            </a:br>
-            <a:endParaRPr lang="en-US" dirty="0"/>
-          </a:p>
-        </p:txBody>
-      </p:sp>
       <p:pic>
         <p:nvPicPr>
           <p:cNvPr id="4" name="Picture 3"/>
@@ -8060,8 +8095,8 @@
         </p:blipFill>
         <p:spPr>
           <a:xfrm>
-            <a:off x="352969" y="1676400"/>
-            <a:ext cx="8429625" cy="1415978"/>
+            <a:off x="565241" y="3109913"/>
+            <a:ext cx="2600325" cy="1400175"/>
           </a:xfrm>
           <a:prstGeom prst="rect">
             <a:avLst/>
@@ -8070,7 +8105,7 @@
       </p:pic>
       <p:pic>
         <p:nvPicPr>
-          <p:cNvPr id="7" name="Picture 6"/>
+          <p:cNvPr id="3" name="Picture 2"/>
           <p:cNvPicPr>
             <a:picLocks noChangeAspect="1"/>
           </p:cNvPicPr>
@@ -8084,18 +8119,127 @@
         </p:blipFill>
         <p:spPr>
           <a:xfrm>
-            <a:off x="21771" y="3429000"/>
-            <a:ext cx="8843963" cy="802428"/>
+            <a:off x="3165566" y="2971800"/>
+            <a:ext cx="3124200" cy="1676400"/>
           </a:xfrm>
           <a:prstGeom prst="rect">
             <a:avLst/>
           </a:prstGeom>
         </p:spPr>
       </p:pic>
+      <p:pic>
+        <p:nvPicPr>
+          <p:cNvPr id="5" name="Picture 4"/>
+          <p:cNvPicPr>
+            <a:picLocks noChangeAspect="1"/>
+          </p:cNvPicPr>
+          <p:nvPr/>
+        </p:nvPicPr>
+        <p:blipFill>
+          <a:blip r:embed="rId4"/>
+          <a:stretch>
+            <a:fillRect/>
+          </a:stretch>
+        </p:blipFill>
+        <p:spPr>
+          <a:xfrm>
+            <a:off x="1179467" y="4862513"/>
+            <a:ext cx="1962150" cy="495300"/>
+          </a:xfrm>
+          <a:prstGeom prst="rect">
+            <a:avLst/>
+          </a:prstGeom>
+        </p:spPr>
+      </p:pic>
+      <p:pic>
+        <p:nvPicPr>
+          <p:cNvPr id="6" name="Picture 5"/>
+          <p:cNvPicPr>
+            <a:picLocks noChangeAspect="1"/>
+          </p:cNvPicPr>
+          <p:nvPr/>
+        </p:nvPicPr>
+        <p:blipFill>
+          <a:blip r:embed="rId5"/>
+          <a:stretch>
+            <a:fillRect/>
+          </a:stretch>
+        </p:blipFill>
+        <p:spPr>
+          <a:xfrm>
+            <a:off x="1179467" y="2363289"/>
+            <a:ext cx="5038725" cy="219075"/>
+          </a:xfrm>
+          <a:prstGeom prst="rect">
+            <a:avLst/>
+          </a:prstGeom>
+        </p:spPr>
+      </p:pic>
+      <p:sp>
+        <p:nvSpPr>
+          <p:cNvPr id="2" name="Oval Callout 1"/>
+          <p:cNvSpPr/>
+          <p:nvPr/>
+        </p:nvSpPr>
+        <p:spPr>
+          <a:xfrm>
+            <a:off x="3886200" y="5181600"/>
+            <a:ext cx="4343400" cy="1447800"/>
+          </a:xfrm>
+          <a:prstGeom prst="wedgeEllipseCallout">
+            <a:avLst>
+              <a:gd name="adj1" fmla="val -23764"/>
+              <a:gd name="adj2" fmla="val -99404"/>
+            </a:avLst>
+          </a:prstGeom>
+          <a:solidFill>
+            <a:srgbClr val="7030A0"/>
+          </a:solidFill>
+        </p:spPr>
+        <p:style>
+          <a:lnRef idx="2">
+            <a:schemeClr val="accent1">
+              <a:shade val="50000"/>
+            </a:schemeClr>
+          </a:lnRef>
+          <a:fillRef idx="1">
+            <a:schemeClr val="accent1"/>
+          </a:fillRef>
+          <a:effectRef idx="0">
+            <a:schemeClr val="accent1"/>
+          </a:effectRef>
+          <a:fontRef idx="minor">
+            <a:schemeClr val="lt1"/>
+          </a:fontRef>
+        </p:style>
+        <p:txBody>
+          <a:bodyPr rtlCol="0" anchor="ctr"/>
+          <a:lstStyle/>
+          <a:p>
+            <a:pPr marL="342900" indent="-342900" algn="ctr">
+              <a:buAutoNum type="arabicPeriod"/>
+            </a:pPr>
+            <a:r>
+              <a:rPr lang="en-US" dirty="0" smtClean="0"/>
+              <a:t>Linearly independent</a:t>
+            </a:r>
+          </a:p>
+          <a:p>
+            <a:pPr marL="342900" indent="-342900" algn="ctr">
+              <a:buAutoNum type="arabicPeriod"/>
+            </a:pPr>
+            <a:r>
+              <a:rPr lang="en-US" dirty="0" smtClean="0"/>
+              <a:t>Number of free variables</a:t>
+            </a:r>
+            <a:endParaRPr lang="en-US" dirty="0"/>
+          </a:p>
+        </p:txBody>
+      </p:sp>
     </p:spTree>
     <p:extLst>
       <p:ext uri="{BB962C8B-B14F-4D97-AF65-F5344CB8AC3E}">
-        <p14:creationId xmlns:p14="http://schemas.microsoft.com/office/powerpoint/2010/main" val="1002184727"/>
+        <p14:creationId xmlns:p14="http://schemas.microsoft.com/office/powerpoint/2010/main" val="4029298078"/>
       </p:ext>
     </p:extLst>
   </p:cSld>
@@ -8152,11 +8296,7 @@
             </a:r>
             <a:r>
               <a:rPr lang="en-US" dirty="0"/>
-              <a:t>Space of a Matrix</a:t>
-            </a:r>
-            <a:r>
-              <a:rPr lang="en-US" dirty="0"/>
-              <a:t> </a:t>
+              <a:t>Space of a Matrix </a:t>
             </a:r>
             <a:br>
               <a:rPr lang="en-US" dirty="0"/>
@@ -8191,7 +8331,7 @@
       </p:pic>
       <p:pic>
         <p:nvPicPr>
-          <p:cNvPr id="5" name="Picture 4"/>
+          <p:cNvPr id="7" name="Picture 6"/>
           <p:cNvPicPr>
             <a:picLocks noChangeAspect="1"/>
           </p:cNvPicPr>
@@ -8205,7 +8345,7 @@
         </p:blipFill>
         <p:spPr>
           <a:xfrm>
-            <a:off x="0" y="3332300"/>
+            <a:off x="21771" y="3429000"/>
             <a:ext cx="8843963" cy="802428"/>
           </a:xfrm>
           <a:prstGeom prst="rect">
@@ -8213,120 +8353,10 @@
           </a:prstGeom>
         </p:spPr>
       </p:pic>
-      <p:pic>
-        <p:nvPicPr>
-          <p:cNvPr id="6" name="Picture 5"/>
-          <p:cNvPicPr>
-            <a:picLocks noChangeAspect="1"/>
-          </p:cNvPicPr>
-          <p:nvPr/>
-        </p:nvPicPr>
-        <p:blipFill>
-          <a:blip r:embed="rId4"/>
-          <a:stretch>
-            <a:fillRect/>
-          </a:stretch>
-        </p:blipFill>
-        <p:spPr>
-          <a:xfrm>
-            <a:off x="2528887" y="4495800"/>
-            <a:ext cx="4314825" cy="733425"/>
-          </a:xfrm>
-          <a:prstGeom prst="rect">
-            <a:avLst/>
-          </a:prstGeom>
-        </p:spPr>
-      </p:pic>
-      <p:sp>
-        <p:nvSpPr>
-          <p:cNvPr id="7" name="Rectangle 6"/>
-          <p:cNvSpPr/>
-          <p:nvPr/>
-        </p:nvSpPr>
-        <p:spPr>
-          <a:xfrm>
-            <a:off x="1219200" y="5791200"/>
-            <a:ext cx="7467599" cy="646331"/>
-          </a:xfrm>
-          <a:prstGeom prst="rect">
-            <a:avLst/>
-          </a:prstGeom>
-        </p:spPr>
-        <p:txBody>
-          <a:bodyPr wrap="square">
-            <a:spAutoFit/>
-          </a:bodyPr>
-          <a:lstStyle/>
-          <a:p>
-            <a:r>
-              <a:rPr lang="en-US" i="1" dirty="0">
-                <a:solidFill>
-                  <a:srgbClr val="242021"/>
-                </a:solidFill>
-                <a:latin typeface="Times-Italic"/>
-              </a:rPr>
-              <a:t>range </a:t>
-            </a:r>
-            <a:r>
-              <a:rPr lang="en-US" dirty="0">
-                <a:solidFill>
-                  <a:srgbClr val="242021"/>
-                </a:solidFill>
-                <a:latin typeface="Times-Roman"/>
-              </a:rPr>
-              <a:t>of the </a:t>
-            </a:r>
-            <a:r>
-              <a:rPr lang="en-US" dirty="0" smtClean="0">
-                <a:solidFill>
-                  <a:srgbClr val="242021"/>
-                </a:solidFill>
-                <a:latin typeface="Times-Roman"/>
-              </a:rPr>
-              <a:t>linear transformation </a:t>
-            </a:r>
-            <a:r>
-              <a:rPr lang="en-US" dirty="0" smtClean="0">
-                <a:solidFill>
-                  <a:srgbClr val="242021"/>
-                </a:solidFill>
-                <a:latin typeface="MT2MIT"/>
-              </a:rPr>
-              <a:t>A</a:t>
-            </a:r>
-            <a:r>
-              <a:rPr lang="en-US" b="1" dirty="0" smtClean="0">
-                <a:solidFill>
-                  <a:srgbClr val="242021"/>
-                </a:solidFill>
-                <a:latin typeface="Times-Bold"/>
-              </a:rPr>
-              <a:t>x</a:t>
-            </a:r>
-            <a:r>
-              <a:rPr lang="en-US" dirty="0">
-                <a:solidFill>
-                  <a:srgbClr val="242021"/>
-                </a:solidFill>
-                <a:latin typeface="Times-Roman"/>
-              </a:rPr>
-              <a:t>.</a:t>
-            </a:r>
-            <a:r>
-              <a:rPr lang="en-US" dirty="0"/>
-              <a:t> </a:t>
-            </a:r>
-            <a:br>
-              <a:rPr lang="en-US" dirty="0"/>
-            </a:br>
-            <a:endParaRPr lang="en-US" dirty="0"/>
-          </a:p>
-        </p:txBody>
-      </p:sp>
     </p:spTree>
     <p:extLst>
       <p:ext uri="{BB962C8B-B14F-4D97-AF65-F5344CB8AC3E}">
-        <p14:creationId xmlns:p14="http://schemas.microsoft.com/office/powerpoint/2010/main" val="2129307582"/>
+        <p14:creationId xmlns:p14="http://schemas.microsoft.com/office/powerpoint/2010/main" val="1002184727"/>
       </p:ext>
     </p:extLst>
   </p:cSld>
@@ -8438,20 +8468,36 @@
         </p:nvSpPr>
         <p:spPr/>
         <p:txBody>
-          <a:bodyPr/>
+          <a:bodyPr>
+            <a:normAutofit fontScale="90000"/>
+          </a:bodyPr>
           <a:lstStyle/>
           <a:p>
             <a:r>
               <a:rPr lang="en-US" dirty="0" smtClean="0"/>
-              <a:t>example</a:t>
-            </a:r>
+              <a:t/>
+            </a:r>
+            <a:br>
+              <a:rPr lang="en-US" dirty="0" smtClean="0"/>
+            </a:br>
+            <a:r>
+              <a:rPr lang="en-US" dirty="0" smtClean="0"/>
+              <a:t>Column </a:t>
+            </a:r>
+            <a:r>
+              <a:rPr lang="en-US" dirty="0"/>
+              <a:t>Space of a Matrix </a:t>
+            </a:r>
+            <a:br>
+              <a:rPr lang="en-US" dirty="0"/>
+            </a:br>
             <a:endParaRPr lang="en-US" dirty="0"/>
           </a:p>
         </p:txBody>
       </p:sp>
       <p:pic>
         <p:nvPicPr>
-          <p:cNvPr id="3" name="Picture 2"/>
+          <p:cNvPr id="4" name="Picture 3"/>
           <p:cNvPicPr>
             <a:picLocks noChangeAspect="1"/>
           </p:cNvPicPr>
@@ -8465,18 +8511,152 @@
         </p:blipFill>
         <p:spPr>
           <a:xfrm>
-            <a:off x="914400" y="1828800"/>
-            <a:ext cx="6534150" cy="1581150"/>
+            <a:off x="352969" y="1676400"/>
+            <a:ext cx="8429625" cy="1415978"/>
           </a:xfrm>
           <a:prstGeom prst="rect">
             <a:avLst/>
           </a:prstGeom>
         </p:spPr>
       </p:pic>
+      <p:pic>
+        <p:nvPicPr>
+          <p:cNvPr id="5" name="Picture 4"/>
+          <p:cNvPicPr>
+            <a:picLocks noChangeAspect="1"/>
+          </p:cNvPicPr>
+          <p:nvPr/>
+        </p:nvPicPr>
+        <p:blipFill>
+          <a:blip r:embed="rId3"/>
+          <a:stretch>
+            <a:fillRect/>
+          </a:stretch>
+        </p:blipFill>
+        <p:spPr>
+          <a:xfrm>
+            <a:off x="0" y="3332300"/>
+            <a:ext cx="8843963" cy="802428"/>
+          </a:xfrm>
+          <a:prstGeom prst="rect">
+            <a:avLst/>
+          </a:prstGeom>
+        </p:spPr>
+      </p:pic>
+      <p:pic>
+        <p:nvPicPr>
+          <p:cNvPr id="6" name="Picture 5"/>
+          <p:cNvPicPr>
+            <a:picLocks noChangeAspect="1"/>
+          </p:cNvPicPr>
+          <p:nvPr/>
+        </p:nvPicPr>
+        <p:blipFill>
+          <a:blip r:embed="rId4"/>
+          <a:stretch>
+            <a:fillRect/>
+          </a:stretch>
+        </p:blipFill>
+        <p:spPr>
+          <a:xfrm>
+            <a:off x="2528887" y="4495800"/>
+            <a:ext cx="4314825" cy="733425"/>
+          </a:xfrm>
+          <a:prstGeom prst="rect">
+            <a:avLst/>
+          </a:prstGeom>
+        </p:spPr>
+      </p:pic>
+      <p:sp>
+        <p:nvSpPr>
+          <p:cNvPr id="7" name="Rectangle 6"/>
+          <p:cNvSpPr/>
+          <p:nvPr/>
+        </p:nvSpPr>
+        <p:spPr>
+          <a:xfrm>
+            <a:off x="1219200" y="5791200"/>
+            <a:ext cx="7467599" cy="646331"/>
+          </a:xfrm>
+          <a:prstGeom prst="rect">
+            <a:avLst/>
+          </a:prstGeom>
+        </p:spPr>
+        <p:txBody>
+          <a:bodyPr wrap="square">
+            <a:spAutoFit/>
+          </a:bodyPr>
+          <a:lstStyle/>
+          <a:p>
+            <a:r>
+              <a:rPr lang="en-US" i="1" dirty="0">
+                <a:solidFill>
+                  <a:srgbClr val="242021"/>
+                </a:solidFill>
+                <a:latin typeface="Times-Italic"/>
+              </a:rPr>
+              <a:t>range </a:t>
+            </a:r>
+            <a:r>
+              <a:rPr lang="en-US" dirty="0">
+                <a:solidFill>
+                  <a:srgbClr val="242021"/>
+                </a:solidFill>
+                <a:latin typeface="Times-Roman"/>
+              </a:rPr>
+              <a:t>of the </a:t>
+            </a:r>
+            <a:r>
+              <a:rPr lang="en-US" dirty="0" smtClean="0">
+                <a:solidFill>
+                  <a:srgbClr val="242021"/>
+                </a:solidFill>
+                <a:latin typeface="Times-Roman"/>
+              </a:rPr>
+              <a:t>linear transformation </a:t>
+            </a:r>
+            <a:r>
+              <a:rPr lang="en-US" dirty="0" smtClean="0">
+                <a:solidFill>
+                  <a:srgbClr val="242021"/>
+                </a:solidFill>
+                <a:latin typeface="MT2MIT"/>
+              </a:rPr>
+              <a:t>A</a:t>
+            </a:r>
+            <a:r>
+              <a:rPr lang="en-US" b="1" dirty="0" smtClean="0">
+                <a:solidFill>
+                  <a:srgbClr val="242021"/>
+                </a:solidFill>
+                <a:latin typeface="Times-Bold"/>
+              </a:rPr>
+              <a:t>x</a:t>
+            </a:r>
+            <a:r>
+              <a:rPr lang="en-US" dirty="0">
+                <a:solidFill>
+                  <a:srgbClr val="242021"/>
+                </a:solidFill>
+                <a:latin typeface="Times-Roman"/>
+              </a:rPr>
+              <a:t>.</a:t>
+            </a:r>
+            <a:r>
+              <a:rPr lang="en-US" dirty="0"/>
+              <a:t> </a:t>
+            </a:r>
+            <a:br>
+              <a:rPr lang="en-US" dirty="0"/>
+            </a:br>
+            <a:endParaRPr lang="en-US" dirty="0"/>
+          </a:p>
+        </p:txBody>
+      </p:sp>
     </p:spTree>
     <p:extLst>
       <p:ext uri="{BB962C8B-B14F-4D97-AF65-F5344CB8AC3E}">
-        <p14:creationId xmlns:p14="http://schemas.microsoft.com/office/powerpoint/2010/main" val="3206897819"/>
+        <p14:creationId xmlns:p14="http://schemas.microsoft.com/office/powerpoint/2010/main" val="2129307582"/>
       </p:ext>
     </p:extLst>
   </p:cSld>
@@ -8520,7 +8700,7 @@
           <a:p>
             <a:r>
               <a:rPr lang="en-US" dirty="0" smtClean="0"/>
-              <a:t>Column space and null space</a:t>
+              <a:t>example</a:t>
             </a:r>
             <a:endParaRPr lang="en-US" dirty="0"/>
           </a:p>
@@ -8542,56 +8722,8 @@
         </p:blipFill>
         <p:spPr>
           <a:xfrm>
-            <a:off x="3048000" y="1905000"/>
-            <a:ext cx="2705100" cy="952500"/>
-          </a:xfrm>
-          <a:prstGeom prst="rect">
-            <a:avLst/>
-          </a:prstGeom>
-        </p:spPr>
-      </p:pic>
-      <p:pic>
-        <p:nvPicPr>
-          <p:cNvPr id="7" name="Picture 6"/>
-          <p:cNvPicPr>
-            <a:picLocks noChangeAspect="1"/>
-          </p:cNvPicPr>
-          <p:nvPr/>
-        </p:nvPicPr>
-        <p:blipFill>
-          <a:blip r:embed="rId3"/>
-          <a:stretch>
-            <a:fillRect/>
-          </a:stretch>
-        </p:blipFill>
-        <p:spPr>
-          <a:xfrm>
-            <a:off x="642257" y="2857500"/>
-            <a:ext cx="3048000" cy="1228725"/>
-          </a:xfrm>
-          <a:prstGeom prst="rect">
-            <a:avLst/>
-          </a:prstGeom>
-        </p:spPr>
-      </p:pic>
-      <p:pic>
-        <p:nvPicPr>
-          <p:cNvPr id="8" name="Picture 7"/>
-          <p:cNvPicPr>
-            <a:picLocks noChangeAspect="1"/>
-          </p:cNvPicPr>
-          <p:nvPr/>
-        </p:nvPicPr>
-        <p:blipFill>
-          <a:blip r:embed="rId4"/>
-          <a:stretch>
-            <a:fillRect/>
-          </a:stretch>
-        </p:blipFill>
-        <p:spPr>
-          <a:xfrm>
-            <a:off x="3886200" y="3109912"/>
-            <a:ext cx="4772025" cy="723900"/>
+            <a:off x="914400" y="1828800"/>
+            <a:ext cx="6534150" cy="1581150"/>
           </a:xfrm>
           <a:prstGeom prst="rect">
             <a:avLst/>
@@ -8601,7 +8733,7 @@
     </p:spTree>
     <p:extLst>
       <p:ext uri="{BB962C8B-B14F-4D97-AF65-F5344CB8AC3E}">
-        <p14:creationId xmlns:p14="http://schemas.microsoft.com/office/powerpoint/2010/main" val="1408621205"/>
+        <p14:creationId xmlns:p14="http://schemas.microsoft.com/office/powerpoint/2010/main" val="3206897819"/>
       </p:ext>
     </p:extLst>
   </p:cSld>
@@ -8723,34 +8855,10 @@
           </a:prstGeom>
         </p:spPr>
       </p:pic>
-      <p:pic>
-        <p:nvPicPr>
-          <p:cNvPr id="4" name="Picture 3"/>
-          <p:cNvPicPr>
-            <a:picLocks noChangeAspect="1"/>
-          </p:cNvPicPr>
-          <p:nvPr/>
-        </p:nvPicPr>
-        <p:blipFill>
-          <a:blip r:embed="rId5"/>
-          <a:stretch>
-            <a:fillRect/>
-          </a:stretch>
-        </p:blipFill>
-        <p:spPr>
-          <a:xfrm>
-            <a:off x="685800" y="4642756"/>
-            <a:ext cx="5229225" cy="1114425"/>
-          </a:xfrm>
-          <a:prstGeom prst="rect">
-            <a:avLst/>
-          </a:prstGeom>
-        </p:spPr>
-      </p:pic>
     </p:spTree>
     <p:extLst>
       <p:ext uri="{BB962C8B-B14F-4D97-AF65-F5344CB8AC3E}">
-        <p14:creationId xmlns:p14="http://schemas.microsoft.com/office/powerpoint/2010/main" val="1221750627"/>
+        <p14:creationId xmlns:p14="http://schemas.microsoft.com/office/powerpoint/2010/main" val="1408621205"/>
       </p:ext>
     </p:extLst>
   </p:cSld>
@@ -8874,7 +8982,7 @@
       </p:pic>
       <p:pic>
         <p:nvPicPr>
-          <p:cNvPr id="5" name="Picture 4"/>
+          <p:cNvPr id="4" name="Picture 3"/>
           <p:cNvPicPr>
             <a:picLocks noChangeAspect="1"/>
           </p:cNvPicPr>
@@ -8888,8 +8996,8 @@
         </p:blipFill>
         <p:spPr>
           <a:xfrm>
-            <a:off x="1066800" y="4748212"/>
-            <a:ext cx="6286500" cy="1028700"/>
+            <a:off x="685800" y="4642756"/>
+            <a:ext cx="5229225" cy="1114425"/>
           </a:xfrm>
           <a:prstGeom prst="rect">
             <a:avLst/>
@@ -8899,7 +9007,7 @@
     </p:spTree>
     <p:extLst>
       <p:ext uri="{BB962C8B-B14F-4D97-AF65-F5344CB8AC3E}">
-        <p14:creationId xmlns:p14="http://schemas.microsoft.com/office/powerpoint/2010/main" val="1813088730"/>
+        <p14:creationId xmlns:p14="http://schemas.microsoft.com/office/powerpoint/2010/main" val="1221750627"/>
       </p:ext>
     </p:extLst>
   </p:cSld>
@@ -8942,9 +9050,10 @@
           <a:lstStyle/>
           <a:p>
             <a:r>
-              <a:rPr lang="en-US" dirty="0"/>
+              <a:rPr lang="en-US" dirty="0" smtClean="0"/>
               <a:t>Column space and null space</a:t>
             </a:r>
+            <a:endParaRPr lang="en-US" dirty="0"/>
           </a:p>
         </p:txBody>
       </p:sp>
@@ -8964,8 +9073,80 @@
         </p:blipFill>
         <p:spPr>
           <a:xfrm>
-            <a:off x="381000" y="2209800"/>
-            <a:ext cx="8296275" cy="3333750"/>
+            <a:off x="3048000" y="1905000"/>
+            <a:ext cx="2705100" cy="952500"/>
+          </a:xfrm>
+          <a:prstGeom prst="rect">
+            <a:avLst/>
+          </a:prstGeom>
+        </p:spPr>
+      </p:pic>
+      <p:pic>
+        <p:nvPicPr>
+          <p:cNvPr id="7" name="Picture 6"/>
+          <p:cNvPicPr>
+            <a:picLocks noChangeAspect="1"/>
+          </p:cNvPicPr>
+          <p:nvPr/>
+        </p:nvPicPr>
+        <p:blipFill>
+          <a:blip r:embed="rId3"/>
+          <a:stretch>
+            <a:fillRect/>
+          </a:stretch>
+        </p:blipFill>
+        <p:spPr>
+          <a:xfrm>
+            <a:off x="642257" y="2857500"/>
+            <a:ext cx="3048000" cy="1228725"/>
+          </a:xfrm>
+          <a:prstGeom prst="rect">
+            <a:avLst/>
+          </a:prstGeom>
+        </p:spPr>
+      </p:pic>
+      <p:pic>
+        <p:nvPicPr>
+          <p:cNvPr id="8" name="Picture 7"/>
+          <p:cNvPicPr>
+            <a:picLocks noChangeAspect="1"/>
+          </p:cNvPicPr>
+          <p:nvPr/>
+        </p:nvPicPr>
+        <p:blipFill>
+          <a:blip r:embed="rId4"/>
+          <a:stretch>
+            <a:fillRect/>
+          </a:stretch>
+        </p:blipFill>
+        <p:spPr>
+          <a:xfrm>
+            <a:off x="3886200" y="3109912"/>
+            <a:ext cx="4772025" cy="723900"/>
+          </a:xfrm>
+          <a:prstGeom prst="rect">
+            <a:avLst/>
+          </a:prstGeom>
+        </p:spPr>
+      </p:pic>
+      <p:pic>
+        <p:nvPicPr>
+          <p:cNvPr id="5" name="Picture 4"/>
+          <p:cNvPicPr>
+            <a:picLocks noChangeAspect="1"/>
+          </p:cNvPicPr>
+          <p:nvPr/>
+        </p:nvPicPr>
+        <p:blipFill>
+          <a:blip r:embed="rId5"/>
+          <a:stretch>
+            <a:fillRect/>
+          </a:stretch>
+        </p:blipFill>
+        <p:spPr>
+          <a:xfrm>
+            <a:off x="1066800" y="4748212"/>
+            <a:ext cx="6286500" cy="1028700"/>
           </a:xfrm>
           <a:prstGeom prst="rect">
             <a:avLst/>
@@ -8975,7 +9156,7 @@
     </p:spTree>
     <p:extLst>
       <p:ext uri="{BB962C8B-B14F-4D97-AF65-F5344CB8AC3E}">
-        <p14:creationId xmlns:p14="http://schemas.microsoft.com/office/powerpoint/2010/main" val="81712640"/>
+        <p14:creationId xmlns:p14="http://schemas.microsoft.com/office/powerpoint/2010/main" val="1813088730"/>
       </p:ext>
     </p:extLst>
   </p:cSld>
@@ -9017,7 +9198,10 @@
           <a:bodyPr/>
           <a:lstStyle/>
           <a:p>
-            <a:endParaRPr lang="en-US"/>
+            <a:r>
+              <a:rPr lang="en-US" dirty="0"/>
+              <a:t>Column space and null space</a:t>
+            </a:r>
           </a:p>
         </p:txBody>
       </p:sp>
@@ -9037,32 +9221,8 @@
         </p:blipFill>
         <p:spPr>
           <a:xfrm>
-            <a:off x="373380" y="2895600"/>
-            <a:ext cx="8420100" cy="2628900"/>
-          </a:xfrm>
-          <a:prstGeom prst="rect">
-            <a:avLst/>
-          </a:prstGeom>
-        </p:spPr>
-      </p:pic>
-      <p:pic>
-        <p:nvPicPr>
-          <p:cNvPr id="4" name="Picture 3"/>
-          <p:cNvPicPr>
-            <a:picLocks noChangeAspect="1"/>
-          </p:cNvPicPr>
-          <p:nvPr/>
-        </p:nvPicPr>
-        <p:blipFill>
-          <a:blip r:embed="rId3"/>
-          <a:stretch>
-            <a:fillRect/>
-          </a:stretch>
-        </p:blipFill>
-        <p:spPr>
-          <a:xfrm>
-            <a:off x="554355" y="1905000"/>
-            <a:ext cx="8058150" cy="762000"/>
+            <a:off x="381000" y="2209800"/>
+            <a:ext cx="8296275" cy="3333750"/>
           </a:xfrm>
           <a:prstGeom prst="rect">
             <a:avLst/>
@@ -9072,7 +9232,7 @@
     </p:spTree>
     <p:extLst>
       <p:ext uri="{BB962C8B-B14F-4D97-AF65-F5344CB8AC3E}">
-        <p14:creationId xmlns:p14="http://schemas.microsoft.com/office/powerpoint/2010/main" val="1809050782"/>
+        <p14:creationId xmlns:p14="http://schemas.microsoft.com/office/powerpoint/2010/main" val="81712640"/>
       </p:ext>
     </p:extLst>
   </p:cSld>
@@ -9111,26 +9271,10 @@
         </p:nvSpPr>
         <p:spPr/>
         <p:txBody>
-          <a:bodyPr>
-            <a:normAutofit fontScale="90000"/>
-          </a:bodyPr>
-          <a:lstStyle/>
-          <a:p>
-            <a:r>
-              <a:rPr lang="en-US" dirty="0" smtClean="0"/>
-              <a:t/>
-            </a:r>
-            <a:br>
-              <a:rPr lang="en-US" dirty="0" smtClean="0"/>
-            </a:br>
-            <a:r>
-              <a:rPr lang="en-US" dirty="0" smtClean="0"/>
-              <a:t>Linear transformation</a:t>
-            </a:r>
-            <a:br>
-              <a:rPr lang="en-US" dirty="0" smtClean="0"/>
-            </a:br>
-            <a:endParaRPr lang="en-US" dirty="0"/>
+          <a:bodyPr/>
+          <a:lstStyle/>
+          <a:p>
+            <a:endParaRPr lang="en-US"/>
           </a:p>
         </p:txBody>
       </p:sp>
@@ -9150,8 +9294,8 @@
         </p:blipFill>
         <p:spPr>
           <a:xfrm>
-            <a:off x="609600" y="1676400"/>
-            <a:ext cx="7939088" cy="1453309"/>
+            <a:off x="373380" y="2895600"/>
+            <a:ext cx="8420100" cy="2628900"/>
           </a:xfrm>
           <a:prstGeom prst="rect">
             <a:avLst/>
@@ -9160,7 +9304,7 @@
       </p:pic>
       <p:pic>
         <p:nvPicPr>
-          <p:cNvPr id="5" name="Picture 4"/>
+          <p:cNvPr id="4" name="Picture 3"/>
           <p:cNvPicPr>
             <a:picLocks noChangeAspect="1"/>
           </p:cNvPicPr>
@@ -9174,83 +9318,18 @@
         </p:blipFill>
         <p:spPr>
           <a:xfrm>
-            <a:off x="598714" y="3810000"/>
-            <a:ext cx="7781925" cy="590550"/>
+            <a:off x="554355" y="1905000"/>
+            <a:ext cx="8058150" cy="762000"/>
           </a:xfrm>
           <a:prstGeom prst="rect">
             <a:avLst/>
           </a:prstGeom>
         </p:spPr>
       </p:pic>
-      <p:pic>
-        <p:nvPicPr>
-          <p:cNvPr id="6" name="Picture 5"/>
-          <p:cNvPicPr>
-            <a:picLocks noChangeAspect="1"/>
-          </p:cNvPicPr>
-          <p:nvPr/>
-        </p:nvPicPr>
-        <p:blipFill>
-          <a:blip r:embed="rId4"/>
-          <a:stretch>
-            <a:fillRect/>
-          </a:stretch>
-        </p:blipFill>
-        <p:spPr>
-          <a:xfrm>
-            <a:off x="984477" y="4486275"/>
-            <a:ext cx="1495425" cy="247650"/>
-          </a:xfrm>
-          <a:prstGeom prst="rect">
-            <a:avLst/>
-          </a:prstGeom>
-        </p:spPr>
-      </p:pic>
-      <p:sp>
-        <p:nvSpPr>
-          <p:cNvPr id="7" name="Rounded Rectangle 6"/>
-          <p:cNvSpPr/>
-          <p:nvPr/>
-        </p:nvSpPr>
-        <p:spPr>
-          <a:xfrm>
-            <a:off x="381000" y="3589086"/>
-            <a:ext cx="8167688" cy="1295400"/>
-          </a:xfrm>
-          <a:prstGeom prst="roundRect">
-            <a:avLst/>
-          </a:prstGeom>
-          <a:noFill/>
-        </p:spPr>
-        <p:style>
-          <a:lnRef idx="2">
-            <a:schemeClr val="accent1">
-              <a:shade val="50000"/>
-            </a:schemeClr>
-          </a:lnRef>
-          <a:fillRef idx="1">
-            <a:schemeClr val="accent1"/>
-          </a:fillRef>
-          <a:effectRef idx="0">
-            <a:schemeClr val="accent1"/>
-          </a:effectRef>
-          <a:fontRef idx="minor">
-            <a:schemeClr val="lt1"/>
-          </a:fontRef>
-        </p:style>
-        <p:txBody>
-          <a:bodyPr rtlCol="0" anchor="ctr"/>
-          <a:lstStyle/>
-          <a:p>
-            <a:pPr algn="ctr"/>
-            <a:endParaRPr lang="en-US"/>
-          </a:p>
-        </p:txBody>
-      </p:sp>
     </p:spTree>
     <p:extLst>
       <p:ext uri="{BB962C8B-B14F-4D97-AF65-F5344CB8AC3E}">
-        <p14:creationId xmlns:p14="http://schemas.microsoft.com/office/powerpoint/2010/main" val="433819851"/>
+        <p14:creationId xmlns:p14="http://schemas.microsoft.com/office/powerpoint/2010/main" val="1809050782"/>
       </p:ext>
     </p:extLst>
   </p:cSld>
@@ -9289,13 +9368,25 @@
         </p:nvSpPr>
         <p:spPr/>
         <p:txBody>
-          <a:bodyPr/>
+          <a:bodyPr>
+            <a:normAutofit fontScale="90000"/>
+          </a:bodyPr>
           <a:lstStyle/>
           <a:p>
             <a:r>
               <a:rPr lang="en-US" dirty="0" smtClean="0"/>
-              <a:t>example</a:t>
-            </a:r>
+              <a:t/>
+            </a:r>
+            <a:br>
+              <a:rPr lang="en-US" dirty="0" smtClean="0"/>
+            </a:br>
+            <a:r>
+              <a:rPr lang="en-US" dirty="0" smtClean="0"/>
+              <a:t>Linear transformation</a:t>
+            </a:r>
+            <a:br>
+              <a:rPr lang="en-US" dirty="0" smtClean="0"/>
+            </a:br>
             <a:endParaRPr lang="en-US" dirty="0"/>
           </a:p>
         </p:txBody>
@@ -9316,18 +9407,107 @@
         </p:blipFill>
         <p:spPr>
           <a:xfrm>
-            <a:off x="576262" y="2066925"/>
-            <a:ext cx="7991475" cy="2724150"/>
+            <a:off x="609600" y="1676400"/>
+            <a:ext cx="7939088" cy="1453309"/>
           </a:xfrm>
           <a:prstGeom prst="rect">
             <a:avLst/>
           </a:prstGeom>
         </p:spPr>
       </p:pic>
+      <p:pic>
+        <p:nvPicPr>
+          <p:cNvPr id="5" name="Picture 4"/>
+          <p:cNvPicPr>
+            <a:picLocks noChangeAspect="1"/>
+          </p:cNvPicPr>
+          <p:nvPr/>
+        </p:nvPicPr>
+        <p:blipFill>
+          <a:blip r:embed="rId3"/>
+          <a:stretch>
+            <a:fillRect/>
+          </a:stretch>
+        </p:blipFill>
+        <p:spPr>
+          <a:xfrm>
+            <a:off x="598714" y="3810000"/>
+            <a:ext cx="7781925" cy="590550"/>
+          </a:xfrm>
+          <a:prstGeom prst="rect">
+            <a:avLst/>
+          </a:prstGeom>
+        </p:spPr>
+      </p:pic>
+      <p:pic>
+        <p:nvPicPr>
+          <p:cNvPr id="6" name="Picture 5"/>
+          <p:cNvPicPr>
+            <a:picLocks noChangeAspect="1"/>
+          </p:cNvPicPr>
+          <p:nvPr/>
+        </p:nvPicPr>
+        <p:blipFill>
+          <a:blip r:embed="rId4"/>
+          <a:stretch>
+            <a:fillRect/>
+          </a:stretch>
+        </p:blipFill>
+        <p:spPr>
+          <a:xfrm>
+            <a:off x="984477" y="4486275"/>
+            <a:ext cx="1495425" cy="247650"/>
+          </a:xfrm>
+          <a:prstGeom prst="rect">
+            <a:avLst/>
+          </a:prstGeom>
+        </p:spPr>
+      </p:pic>
+      <p:sp>
+        <p:nvSpPr>
+          <p:cNvPr id="7" name="Rounded Rectangle 6"/>
+          <p:cNvSpPr/>
+          <p:nvPr/>
+        </p:nvSpPr>
+        <p:spPr>
+          <a:xfrm>
+            <a:off x="381000" y="3589086"/>
+            <a:ext cx="8167688" cy="1295400"/>
+          </a:xfrm>
+          <a:prstGeom prst="roundRect">
+            <a:avLst/>
+          </a:prstGeom>
+          <a:noFill/>
+        </p:spPr>
+        <p:style>
+          <a:lnRef idx="2">
+            <a:schemeClr val="accent1">
+              <a:shade val="50000"/>
+            </a:schemeClr>
+          </a:lnRef>
+          <a:fillRef idx="1">
+            <a:schemeClr val="accent1"/>
+          </a:fillRef>
+          <a:effectRef idx="0">
+            <a:schemeClr val="accent1"/>
+          </a:effectRef>
+          <a:fontRef idx="minor">
+            <a:schemeClr val="lt1"/>
+          </a:fontRef>
+        </p:style>
+        <p:txBody>
+          <a:bodyPr rtlCol="0" anchor="ctr"/>
+          <a:lstStyle/>
+          <a:p>
+            <a:pPr algn="ctr"/>
+            <a:endParaRPr lang="en-US"/>
+          </a:p>
+        </p:txBody>
+      </p:sp>
     </p:spTree>
     <p:extLst>
       <p:ext uri="{BB962C8B-B14F-4D97-AF65-F5344CB8AC3E}">
-        <p14:creationId xmlns:p14="http://schemas.microsoft.com/office/powerpoint/2010/main" val="1195453924"/>
+        <p14:creationId xmlns:p14="http://schemas.microsoft.com/office/powerpoint/2010/main" val="433819851"/>
       </p:ext>
     </p:extLst>
   </p:cSld>
@@ -9369,14 +9549,120 @@
           <a:bodyPr/>
           <a:lstStyle/>
           <a:p>
-            <a:endParaRPr lang="en-US"/>
-          </a:p>
-        </p:txBody>
-      </p:sp>
+            <a:r>
+              <a:rPr lang="en-US" dirty="0" smtClean="0"/>
+              <a:t>example</a:t>
+            </a:r>
+            <a:endParaRPr lang="en-US" dirty="0"/>
+          </a:p>
+        </p:txBody>
+      </p:sp>
+      <p:pic>
+        <p:nvPicPr>
+          <p:cNvPr id="3" name="Picture 2"/>
+          <p:cNvPicPr>
+            <a:picLocks noChangeAspect="1"/>
+          </p:cNvPicPr>
+          <p:nvPr/>
+        </p:nvPicPr>
+        <p:blipFill>
+          <a:blip r:embed="rId2"/>
+          <a:stretch>
+            <a:fillRect/>
+          </a:stretch>
+        </p:blipFill>
+        <p:spPr>
+          <a:xfrm>
+            <a:off x="576262" y="2066925"/>
+            <a:ext cx="7991475" cy="2724150"/>
+          </a:xfrm>
+          <a:prstGeom prst="rect">
+            <a:avLst/>
+          </a:prstGeom>
+        </p:spPr>
+      </p:pic>
     </p:spTree>
     <p:extLst>
       <p:ext uri="{BB962C8B-B14F-4D97-AF65-F5344CB8AC3E}">
-        <p14:creationId xmlns:p14="http://schemas.microsoft.com/office/powerpoint/2010/main" val="3763009737"/>
+        <p14:creationId xmlns:p14="http://schemas.microsoft.com/office/powerpoint/2010/main" val="1195453924"/>
+      </p:ext>
+    </p:extLst>
+  </p:cSld>
+  <p:clrMapOvr>
+    <a:masterClrMapping/>
+  </p:clrMapOvr>
+</p:sld>
+</file>
+
+<file path=ppt/slides/slide49.xml><?xml version="1.0" encoding="utf-8"?>
+<p:sld xmlns:a="http://schemas.openxmlformats.org/drawingml/2006/main" xmlns:r="http://schemas.openxmlformats.org/officeDocument/2006/relationships" xmlns:p="http://schemas.openxmlformats.org/presentationml/2006/main">
+  <p:cSld>
+    <p:spTree>
+      <p:nvGrpSpPr>
+        <p:cNvPr id="1" name=""/>
+        <p:cNvGrpSpPr/>
+        <p:nvPr/>
+      </p:nvGrpSpPr>
+      <p:grpSpPr>
+        <a:xfrm>
+          <a:off x="0" y="0"/>
+          <a:ext cx="0" cy="0"/>
+          <a:chOff x="0" y="0"/>
+          <a:chExt cx="0" cy="0"/>
+        </a:xfrm>
+      </p:grpSpPr>
+      <p:sp>
+        <p:nvSpPr>
+          <p:cNvPr id="2" name="Title 1"/>
+          <p:cNvSpPr>
+            <a:spLocks noGrp="1"/>
+          </p:cNvSpPr>
+          <p:nvPr>
+            <p:ph type="ctrTitle"/>
+          </p:nvPr>
+        </p:nvSpPr>
+        <p:spPr>
+          <a:xfrm>
+            <a:off x="457200" y="2209800"/>
+            <a:ext cx="8229600" cy="1828800"/>
+          </a:xfrm>
+        </p:spPr>
+        <p:txBody>
+          <a:bodyPr/>
+          <a:lstStyle/>
+          <a:p>
+            <a:pPr algn="ctr"/>
+            <a:r>
+              <a:rPr lang="en-US" dirty="0" smtClean="0"/>
+              <a:t>4.3. Linearly independent set, bases </a:t>
+            </a:r>
+            <a:endParaRPr lang="en-US" dirty="0"/>
+          </a:p>
+        </p:txBody>
+      </p:sp>
+      <p:sp>
+        <p:nvSpPr>
+          <p:cNvPr id="3" name="Subtitle 2"/>
+          <p:cNvSpPr>
+            <a:spLocks noGrp="1"/>
+          </p:cNvSpPr>
+          <p:nvPr>
+            <p:ph type="subTitle" idx="1"/>
+          </p:nvPr>
+        </p:nvSpPr>
+        <p:spPr/>
+        <p:txBody>
+          <a:bodyPr/>
+          <a:lstStyle/>
+          <a:p>
+            <a:endParaRPr lang="en-US"/>
+          </a:p>
+        </p:txBody>
+      </p:sp>
+    </p:spTree>
+    <p:extLst>
+      <p:ext uri="{BB962C8B-B14F-4D97-AF65-F5344CB8AC3E}">
+        <p14:creationId xmlns:p14="http://schemas.microsoft.com/office/powerpoint/2010/main" val="220176444"/>
       </p:ext>
     </p:extLst>
   </p:cSld>
@@ -9559,6 +9845,1227 @@
 </p:sld>
 </file>
 
+<file path=ppt/slides/slide50.xml><?xml version="1.0" encoding="utf-8"?>
+<p:sld xmlns:a="http://schemas.openxmlformats.org/drawingml/2006/main" xmlns:r="http://schemas.openxmlformats.org/officeDocument/2006/relationships" xmlns:p="http://schemas.openxmlformats.org/presentationml/2006/main">
+  <p:cSld>
+    <p:spTree>
+      <p:nvGrpSpPr>
+        <p:cNvPr id="1" name=""/>
+        <p:cNvGrpSpPr/>
+        <p:nvPr/>
+      </p:nvGrpSpPr>
+      <p:grpSpPr>
+        <a:xfrm>
+          <a:off x="0" y="0"/>
+          <a:ext cx="0" cy="0"/>
+          <a:chOff x="0" y="0"/>
+          <a:chExt cx="0" cy="0"/>
+        </a:xfrm>
+      </p:grpSpPr>
+      <p:sp>
+        <p:nvSpPr>
+          <p:cNvPr id="2" name="Title 1"/>
+          <p:cNvSpPr>
+            <a:spLocks noGrp="1"/>
+          </p:cNvSpPr>
+          <p:nvPr>
+            <p:ph type="title"/>
+          </p:nvPr>
+        </p:nvSpPr>
+        <p:spPr/>
+        <p:txBody>
+          <a:bodyPr/>
+          <a:lstStyle/>
+          <a:p>
+            <a:endParaRPr lang="en-US"/>
+          </a:p>
+        </p:txBody>
+      </p:sp>
+      <p:sp>
+        <p:nvSpPr>
+          <p:cNvPr id="3" name="Rectangle 2"/>
+          <p:cNvSpPr/>
+          <p:nvPr/>
+        </p:nvSpPr>
+        <p:spPr>
+          <a:xfrm>
+            <a:off x="609600" y="1676400"/>
+            <a:ext cx="8153400" cy="646331"/>
+          </a:xfrm>
+          <a:prstGeom prst="rect">
+            <a:avLst/>
+          </a:prstGeom>
+          <a:solidFill>
+            <a:srgbClr val="B7ECFF"/>
+          </a:solidFill>
+        </p:spPr>
+        <p:txBody>
+          <a:bodyPr wrap="square">
+            <a:spAutoFit/>
+          </a:bodyPr>
+          <a:lstStyle/>
+          <a:p>
+            <a:pPr algn="ctr"/>
+            <a:r>
+              <a:rPr lang="en-US" dirty="0">
+                <a:solidFill>
+                  <a:srgbClr val="242021"/>
+                </a:solidFill>
+                <a:latin typeface="Times-Roman"/>
+              </a:rPr>
+              <a:t>subsets that span a vector space </a:t>
+            </a:r>
+            <a:r>
+              <a:rPr lang="en-US" dirty="0">
+                <a:solidFill>
+                  <a:srgbClr val="242021"/>
+                </a:solidFill>
+                <a:latin typeface="MT2MIT"/>
+              </a:rPr>
+              <a:t>V </a:t>
+            </a:r>
+            <a:r>
+              <a:rPr lang="en-US" dirty="0">
+                <a:solidFill>
+                  <a:srgbClr val="242021"/>
+                </a:solidFill>
+                <a:latin typeface="Times-Roman"/>
+              </a:rPr>
+              <a:t>or a </a:t>
+            </a:r>
+            <a:r>
+              <a:rPr lang="en-US" dirty="0" smtClean="0">
+                <a:solidFill>
+                  <a:srgbClr val="242021"/>
+                </a:solidFill>
+                <a:latin typeface="Times-Roman"/>
+              </a:rPr>
+              <a:t>subspace </a:t>
+            </a:r>
+            <a:r>
+              <a:rPr lang="en-US" dirty="0" smtClean="0">
+                <a:solidFill>
+                  <a:srgbClr val="242021"/>
+                </a:solidFill>
+                <a:latin typeface="MT2MIT"/>
+              </a:rPr>
+              <a:t>H </a:t>
+            </a:r>
+            <a:r>
+              <a:rPr lang="en-US" dirty="0">
+                <a:solidFill>
+                  <a:srgbClr val="242021"/>
+                </a:solidFill>
+                <a:latin typeface="Times-Roman"/>
+              </a:rPr>
+              <a:t>as “efficiently” as possible. </a:t>
+            </a:r>
+            <a:endParaRPr lang="en-US" dirty="0"/>
+          </a:p>
+        </p:txBody>
+      </p:sp>
+    </p:spTree>
+    <p:extLst>
+      <p:ext uri="{BB962C8B-B14F-4D97-AF65-F5344CB8AC3E}">
+        <p14:creationId xmlns:p14="http://schemas.microsoft.com/office/powerpoint/2010/main" val="3558450521"/>
+      </p:ext>
+    </p:extLst>
+  </p:cSld>
+  <p:clrMapOvr>
+    <a:masterClrMapping/>
+  </p:clrMapOvr>
+</p:sld>
+</file>
+
+<file path=ppt/slides/slide51.xml><?xml version="1.0" encoding="utf-8"?>
+<p:sld xmlns:a="http://schemas.openxmlformats.org/drawingml/2006/main" xmlns:r="http://schemas.openxmlformats.org/officeDocument/2006/relationships" xmlns:p="http://schemas.openxmlformats.org/presentationml/2006/main">
+  <p:cSld>
+    <p:spTree>
+      <p:nvGrpSpPr>
+        <p:cNvPr id="1" name=""/>
+        <p:cNvGrpSpPr/>
+        <p:nvPr/>
+      </p:nvGrpSpPr>
+      <p:grpSpPr>
+        <a:xfrm>
+          <a:off x="0" y="0"/>
+          <a:ext cx="0" cy="0"/>
+          <a:chOff x="0" y="0"/>
+          <a:chExt cx="0" cy="0"/>
+        </a:xfrm>
+      </p:grpSpPr>
+      <p:sp>
+        <p:nvSpPr>
+          <p:cNvPr id="2" name="Title 1"/>
+          <p:cNvSpPr>
+            <a:spLocks noGrp="1"/>
+          </p:cNvSpPr>
+          <p:nvPr>
+            <p:ph type="title"/>
+          </p:nvPr>
+        </p:nvSpPr>
+        <p:spPr/>
+        <p:txBody>
+          <a:bodyPr/>
+          <a:lstStyle/>
+          <a:p>
+            <a:endParaRPr lang="en-US"/>
+          </a:p>
+        </p:txBody>
+      </p:sp>
+      <p:sp>
+        <p:nvSpPr>
+          <p:cNvPr id="3" name="Rectangle 2"/>
+          <p:cNvSpPr/>
+          <p:nvPr/>
+        </p:nvSpPr>
+        <p:spPr>
+          <a:xfrm>
+            <a:off x="609600" y="1676400"/>
+            <a:ext cx="8153400" cy="646331"/>
+          </a:xfrm>
+          <a:prstGeom prst="rect">
+            <a:avLst/>
+          </a:prstGeom>
+          <a:solidFill>
+            <a:srgbClr val="B7ECFF"/>
+          </a:solidFill>
+        </p:spPr>
+        <p:txBody>
+          <a:bodyPr wrap="square">
+            <a:spAutoFit/>
+          </a:bodyPr>
+          <a:lstStyle/>
+          <a:p>
+            <a:pPr algn="ctr"/>
+            <a:r>
+              <a:rPr lang="en-US" dirty="0">
+                <a:solidFill>
+                  <a:srgbClr val="242021"/>
+                </a:solidFill>
+                <a:latin typeface="Times-Roman"/>
+              </a:rPr>
+              <a:t>subsets that span a vector space </a:t>
+            </a:r>
+            <a:r>
+              <a:rPr lang="en-US" dirty="0">
+                <a:solidFill>
+                  <a:srgbClr val="242021"/>
+                </a:solidFill>
+                <a:latin typeface="MT2MIT"/>
+              </a:rPr>
+              <a:t>V </a:t>
+            </a:r>
+            <a:r>
+              <a:rPr lang="en-US" dirty="0">
+                <a:solidFill>
+                  <a:srgbClr val="242021"/>
+                </a:solidFill>
+                <a:latin typeface="Times-Roman"/>
+              </a:rPr>
+              <a:t>or a </a:t>
+            </a:r>
+            <a:r>
+              <a:rPr lang="en-US" dirty="0" smtClean="0">
+                <a:solidFill>
+                  <a:srgbClr val="242021"/>
+                </a:solidFill>
+                <a:latin typeface="Times-Roman"/>
+              </a:rPr>
+              <a:t>subspace </a:t>
+            </a:r>
+            <a:r>
+              <a:rPr lang="en-US" dirty="0" smtClean="0">
+                <a:solidFill>
+                  <a:srgbClr val="242021"/>
+                </a:solidFill>
+                <a:latin typeface="MT2MIT"/>
+              </a:rPr>
+              <a:t>H </a:t>
+            </a:r>
+            <a:r>
+              <a:rPr lang="en-US" dirty="0">
+                <a:solidFill>
+                  <a:srgbClr val="242021"/>
+                </a:solidFill>
+                <a:latin typeface="Times-Roman"/>
+              </a:rPr>
+              <a:t>as “efficiently” as possible. </a:t>
+            </a:r>
+            <a:endParaRPr lang="en-US" dirty="0"/>
+          </a:p>
+        </p:txBody>
+      </p:sp>
+      <p:pic>
+        <p:nvPicPr>
+          <p:cNvPr id="4" name="Picture 3"/>
+          <p:cNvPicPr>
+            <a:picLocks noChangeAspect="1"/>
+          </p:cNvPicPr>
+          <p:nvPr/>
+        </p:nvPicPr>
+        <p:blipFill>
+          <a:blip r:embed="rId2"/>
+          <a:stretch>
+            <a:fillRect/>
+          </a:stretch>
+        </p:blipFill>
+        <p:spPr>
+          <a:xfrm>
+            <a:off x="1066800" y="2895600"/>
+            <a:ext cx="7315200" cy="1063375"/>
+          </a:xfrm>
+          <a:prstGeom prst="rect">
+            <a:avLst/>
+          </a:prstGeom>
+        </p:spPr>
+      </p:pic>
+    </p:spTree>
+    <p:extLst>
+      <p:ext uri="{BB962C8B-B14F-4D97-AF65-F5344CB8AC3E}">
+        <p14:creationId xmlns:p14="http://schemas.microsoft.com/office/powerpoint/2010/main" val="1035041556"/>
+      </p:ext>
+    </p:extLst>
+  </p:cSld>
+  <p:clrMapOvr>
+    <a:masterClrMapping/>
+  </p:clrMapOvr>
+</p:sld>
+</file>
+
+<file path=ppt/slides/slide52.xml><?xml version="1.0" encoding="utf-8"?>
+<p:sld xmlns:a="http://schemas.openxmlformats.org/drawingml/2006/main" xmlns:r="http://schemas.openxmlformats.org/officeDocument/2006/relationships" xmlns:p="http://schemas.openxmlformats.org/presentationml/2006/main">
+  <p:cSld>
+    <p:spTree>
+      <p:nvGrpSpPr>
+        <p:cNvPr id="1" name=""/>
+        <p:cNvGrpSpPr/>
+        <p:nvPr/>
+      </p:nvGrpSpPr>
+      <p:grpSpPr>
+        <a:xfrm>
+          <a:off x="0" y="0"/>
+          <a:ext cx="0" cy="0"/>
+          <a:chOff x="0" y="0"/>
+          <a:chExt cx="0" cy="0"/>
+        </a:xfrm>
+      </p:grpSpPr>
+      <p:sp>
+        <p:nvSpPr>
+          <p:cNvPr id="2" name="Title 1"/>
+          <p:cNvSpPr>
+            <a:spLocks noGrp="1"/>
+          </p:cNvSpPr>
+          <p:nvPr>
+            <p:ph type="title"/>
+          </p:nvPr>
+        </p:nvSpPr>
+        <p:spPr/>
+        <p:txBody>
+          <a:bodyPr/>
+          <a:lstStyle/>
+          <a:p>
+            <a:endParaRPr lang="en-US"/>
+          </a:p>
+        </p:txBody>
+      </p:sp>
+      <p:sp>
+        <p:nvSpPr>
+          <p:cNvPr id="3" name="Rectangle 2"/>
+          <p:cNvSpPr/>
+          <p:nvPr/>
+        </p:nvSpPr>
+        <p:spPr>
+          <a:xfrm>
+            <a:off x="609600" y="1676400"/>
+            <a:ext cx="8153400" cy="646331"/>
+          </a:xfrm>
+          <a:prstGeom prst="rect">
+            <a:avLst/>
+          </a:prstGeom>
+          <a:solidFill>
+            <a:srgbClr val="B7ECFF"/>
+          </a:solidFill>
+        </p:spPr>
+        <p:txBody>
+          <a:bodyPr wrap="square">
+            <a:spAutoFit/>
+          </a:bodyPr>
+          <a:lstStyle/>
+          <a:p>
+            <a:pPr algn="ctr"/>
+            <a:r>
+              <a:rPr lang="en-US" dirty="0">
+                <a:solidFill>
+                  <a:srgbClr val="242021"/>
+                </a:solidFill>
+                <a:latin typeface="Times-Roman"/>
+              </a:rPr>
+              <a:t>subsets that span a vector space </a:t>
+            </a:r>
+            <a:r>
+              <a:rPr lang="en-US" dirty="0">
+                <a:solidFill>
+                  <a:srgbClr val="242021"/>
+                </a:solidFill>
+                <a:latin typeface="MT2MIT"/>
+              </a:rPr>
+              <a:t>V </a:t>
+            </a:r>
+            <a:r>
+              <a:rPr lang="en-US" dirty="0">
+                <a:solidFill>
+                  <a:srgbClr val="242021"/>
+                </a:solidFill>
+                <a:latin typeface="Times-Roman"/>
+              </a:rPr>
+              <a:t>or a </a:t>
+            </a:r>
+            <a:r>
+              <a:rPr lang="en-US" dirty="0" smtClean="0">
+                <a:solidFill>
+                  <a:srgbClr val="242021"/>
+                </a:solidFill>
+                <a:latin typeface="Times-Roman"/>
+              </a:rPr>
+              <a:t>subspace </a:t>
+            </a:r>
+            <a:r>
+              <a:rPr lang="en-US" dirty="0" smtClean="0">
+                <a:solidFill>
+                  <a:srgbClr val="242021"/>
+                </a:solidFill>
+                <a:latin typeface="MT2MIT"/>
+              </a:rPr>
+              <a:t>H </a:t>
+            </a:r>
+            <a:r>
+              <a:rPr lang="en-US" dirty="0">
+                <a:solidFill>
+                  <a:srgbClr val="242021"/>
+                </a:solidFill>
+                <a:latin typeface="Times-Roman"/>
+              </a:rPr>
+              <a:t>as “efficiently” as possible. </a:t>
+            </a:r>
+            <a:endParaRPr lang="en-US" dirty="0"/>
+          </a:p>
+        </p:txBody>
+      </p:sp>
+      <p:pic>
+        <p:nvPicPr>
+          <p:cNvPr id="4" name="Picture 3"/>
+          <p:cNvPicPr>
+            <a:picLocks noChangeAspect="1"/>
+          </p:cNvPicPr>
+          <p:nvPr/>
+        </p:nvPicPr>
+        <p:blipFill>
+          <a:blip r:embed="rId2"/>
+          <a:stretch>
+            <a:fillRect/>
+          </a:stretch>
+        </p:blipFill>
+        <p:spPr>
+          <a:xfrm>
+            <a:off x="1066800" y="2895600"/>
+            <a:ext cx="7315200" cy="1063375"/>
+          </a:xfrm>
+          <a:prstGeom prst="rect">
+            <a:avLst/>
+          </a:prstGeom>
+        </p:spPr>
+      </p:pic>
+      <p:pic>
+        <p:nvPicPr>
+          <p:cNvPr id="5" name="Picture 4"/>
+          <p:cNvPicPr>
+            <a:picLocks noChangeAspect="1"/>
+          </p:cNvPicPr>
+          <p:nvPr/>
+        </p:nvPicPr>
+        <p:blipFill>
+          <a:blip r:embed="rId3"/>
+          <a:stretch>
+            <a:fillRect/>
+          </a:stretch>
+        </p:blipFill>
+        <p:spPr>
+          <a:xfrm>
+            <a:off x="152400" y="4724400"/>
+            <a:ext cx="8610600" cy="1115259"/>
+          </a:xfrm>
+          <a:prstGeom prst="rect">
+            <a:avLst/>
+          </a:prstGeom>
+        </p:spPr>
+      </p:pic>
+    </p:spTree>
+    <p:extLst>
+      <p:ext uri="{BB962C8B-B14F-4D97-AF65-F5344CB8AC3E}">
+        <p14:creationId xmlns:p14="http://schemas.microsoft.com/office/powerpoint/2010/main" val="3763009737"/>
+      </p:ext>
+    </p:extLst>
+  </p:cSld>
+  <p:clrMapOvr>
+    <a:masterClrMapping/>
+  </p:clrMapOvr>
+</p:sld>
+</file>
+
+<file path=ppt/slides/slide53.xml><?xml version="1.0" encoding="utf-8"?>
+<p:sld xmlns:a="http://schemas.openxmlformats.org/drawingml/2006/main" xmlns:r="http://schemas.openxmlformats.org/officeDocument/2006/relationships" xmlns:p="http://schemas.openxmlformats.org/presentationml/2006/main">
+  <p:cSld>
+    <p:spTree>
+      <p:nvGrpSpPr>
+        <p:cNvPr id="1" name=""/>
+        <p:cNvGrpSpPr/>
+        <p:nvPr/>
+      </p:nvGrpSpPr>
+      <p:grpSpPr>
+        <a:xfrm>
+          <a:off x="0" y="0"/>
+          <a:ext cx="0" cy="0"/>
+          <a:chOff x="0" y="0"/>
+          <a:chExt cx="0" cy="0"/>
+        </a:xfrm>
+      </p:grpSpPr>
+      <p:sp>
+        <p:nvSpPr>
+          <p:cNvPr id="2" name="Title 1"/>
+          <p:cNvSpPr>
+            <a:spLocks noGrp="1"/>
+          </p:cNvSpPr>
+          <p:nvPr>
+            <p:ph type="title"/>
+          </p:nvPr>
+        </p:nvSpPr>
+        <p:spPr/>
+        <p:txBody>
+          <a:bodyPr/>
+          <a:lstStyle/>
+          <a:p>
+            <a:endParaRPr lang="en-US"/>
+          </a:p>
+        </p:txBody>
+      </p:sp>
+      <p:pic>
+        <p:nvPicPr>
+          <p:cNvPr id="3" name="Picture 2"/>
+          <p:cNvPicPr>
+            <a:picLocks noChangeAspect="1"/>
+          </p:cNvPicPr>
+          <p:nvPr/>
+        </p:nvPicPr>
+        <p:blipFill>
+          <a:blip r:embed="rId2"/>
+          <a:stretch>
+            <a:fillRect/>
+          </a:stretch>
+        </p:blipFill>
+        <p:spPr>
+          <a:xfrm>
+            <a:off x="304800" y="1828800"/>
+            <a:ext cx="8077200" cy="437421"/>
+          </a:xfrm>
+          <a:prstGeom prst="rect">
+            <a:avLst/>
+          </a:prstGeom>
+        </p:spPr>
+      </p:pic>
+    </p:spTree>
+    <p:extLst>
+      <p:ext uri="{BB962C8B-B14F-4D97-AF65-F5344CB8AC3E}">
+        <p14:creationId xmlns:p14="http://schemas.microsoft.com/office/powerpoint/2010/main" val="3311536622"/>
+      </p:ext>
+    </p:extLst>
+  </p:cSld>
+  <p:clrMapOvr>
+    <a:masterClrMapping/>
+  </p:clrMapOvr>
+</p:sld>
+</file>
+
+<file path=ppt/slides/slide54.xml><?xml version="1.0" encoding="utf-8"?>
+<p:sld xmlns:a="http://schemas.openxmlformats.org/drawingml/2006/main" xmlns:r="http://schemas.openxmlformats.org/officeDocument/2006/relationships" xmlns:p="http://schemas.openxmlformats.org/presentationml/2006/main">
+  <p:cSld>
+    <p:spTree>
+      <p:nvGrpSpPr>
+        <p:cNvPr id="1" name=""/>
+        <p:cNvGrpSpPr/>
+        <p:nvPr/>
+      </p:nvGrpSpPr>
+      <p:grpSpPr>
+        <a:xfrm>
+          <a:off x="0" y="0"/>
+          <a:ext cx="0" cy="0"/>
+          <a:chOff x="0" y="0"/>
+          <a:chExt cx="0" cy="0"/>
+        </a:xfrm>
+      </p:grpSpPr>
+      <p:sp>
+        <p:nvSpPr>
+          <p:cNvPr id="2" name="Title 1"/>
+          <p:cNvSpPr>
+            <a:spLocks noGrp="1"/>
+          </p:cNvSpPr>
+          <p:nvPr>
+            <p:ph type="title"/>
+          </p:nvPr>
+        </p:nvSpPr>
+        <p:spPr/>
+        <p:txBody>
+          <a:bodyPr/>
+          <a:lstStyle/>
+          <a:p>
+            <a:endParaRPr lang="en-US"/>
+          </a:p>
+        </p:txBody>
+      </p:sp>
+      <p:pic>
+        <p:nvPicPr>
+          <p:cNvPr id="3" name="Picture 2"/>
+          <p:cNvPicPr>
+            <a:picLocks noChangeAspect="1"/>
+          </p:cNvPicPr>
+          <p:nvPr/>
+        </p:nvPicPr>
+        <p:blipFill>
+          <a:blip r:embed="rId2"/>
+          <a:stretch>
+            <a:fillRect/>
+          </a:stretch>
+        </p:blipFill>
+        <p:spPr>
+          <a:xfrm>
+            <a:off x="304800" y="1828800"/>
+            <a:ext cx="8077200" cy="437421"/>
+          </a:xfrm>
+          <a:prstGeom prst="rect">
+            <a:avLst/>
+          </a:prstGeom>
+        </p:spPr>
+      </p:pic>
+      <p:pic>
+        <p:nvPicPr>
+          <p:cNvPr id="4" name="Picture 3"/>
+          <p:cNvPicPr>
+            <a:picLocks noChangeAspect="1"/>
+          </p:cNvPicPr>
+          <p:nvPr/>
+        </p:nvPicPr>
+        <p:blipFill>
+          <a:blip r:embed="rId3"/>
+          <a:stretch>
+            <a:fillRect/>
+          </a:stretch>
+        </p:blipFill>
+        <p:spPr>
+          <a:xfrm>
+            <a:off x="313509" y="2590800"/>
+            <a:ext cx="8553450" cy="475192"/>
+          </a:xfrm>
+          <a:prstGeom prst="rect">
+            <a:avLst/>
+          </a:prstGeom>
+        </p:spPr>
+      </p:pic>
+    </p:spTree>
+    <p:extLst>
+      <p:ext uri="{BB962C8B-B14F-4D97-AF65-F5344CB8AC3E}">
+        <p14:creationId xmlns:p14="http://schemas.microsoft.com/office/powerpoint/2010/main" val="2428210302"/>
+      </p:ext>
+    </p:extLst>
+  </p:cSld>
+  <p:clrMapOvr>
+    <a:masterClrMapping/>
+  </p:clrMapOvr>
+</p:sld>
+</file>
+
+<file path=ppt/slides/slide55.xml><?xml version="1.0" encoding="utf-8"?>
+<p:sld xmlns:a="http://schemas.openxmlformats.org/drawingml/2006/main" xmlns:r="http://schemas.openxmlformats.org/officeDocument/2006/relationships" xmlns:p="http://schemas.openxmlformats.org/presentationml/2006/main">
+  <p:cSld>
+    <p:spTree>
+      <p:nvGrpSpPr>
+        <p:cNvPr id="1" name=""/>
+        <p:cNvGrpSpPr/>
+        <p:nvPr/>
+      </p:nvGrpSpPr>
+      <p:grpSpPr>
+        <a:xfrm>
+          <a:off x="0" y="0"/>
+          <a:ext cx="0" cy="0"/>
+          <a:chOff x="0" y="0"/>
+          <a:chExt cx="0" cy="0"/>
+        </a:xfrm>
+      </p:grpSpPr>
+      <p:sp>
+        <p:nvSpPr>
+          <p:cNvPr id="2" name="Title 1"/>
+          <p:cNvSpPr>
+            <a:spLocks noGrp="1"/>
+          </p:cNvSpPr>
+          <p:nvPr>
+            <p:ph type="title"/>
+          </p:nvPr>
+        </p:nvSpPr>
+        <p:spPr/>
+        <p:txBody>
+          <a:bodyPr/>
+          <a:lstStyle/>
+          <a:p>
+            <a:endParaRPr lang="en-US"/>
+          </a:p>
+        </p:txBody>
+      </p:sp>
+      <p:pic>
+        <p:nvPicPr>
+          <p:cNvPr id="3" name="Picture 2"/>
+          <p:cNvPicPr>
+            <a:picLocks noChangeAspect="1"/>
+          </p:cNvPicPr>
+          <p:nvPr/>
+        </p:nvPicPr>
+        <p:blipFill>
+          <a:blip r:embed="rId2"/>
+          <a:stretch>
+            <a:fillRect/>
+          </a:stretch>
+        </p:blipFill>
+        <p:spPr>
+          <a:xfrm>
+            <a:off x="304800" y="1828800"/>
+            <a:ext cx="8077200" cy="437421"/>
+          </a:xfrm>
+          <a:prstGeom prst="rect">
+            <a:avLst/>
+          </a:prstGeom>
+        </p:spPr>
+      </p:pic>
+      <p:pic>
+        <p:nvPicPr>
+          <p:cNvPr id="4" name="Picture 3"/>
+          <p:cNvPicPr>
+            <a:picLocks noChangeAspect="1"/>
+          </p:cNvPicPr>
+          <p:nvPr/>
+        </p:nvPicPr>
+        <p:blipFill>
+          <a:blip r:embed="rId3"/>
+          <a:stretch>
+            <a:fillRect/>
+          </a:stretch>
+        </p:blipFill>
+        <p:spPr>
+          <a:xfrm>
+            <a:off x="313509" y="2590800"/>
+            <a:ext cx="8553450" cy="475192"/>
+          </a:xfrm>
+          <a:prstGeom prst="rect">
+            <a:avLst/>
+          </a:prstGeom>
+        </p:spPr>
+      </p:pic>
+      <p:pic>
+        <p:nvPicPr>
+          <p:cNvPr id="5" name="Picture 4"/>
+          <p:cNvPicPr>
+            <a:picLocks noChangeAspect="1"/>
+          </p:cNvPicPr>
+          <p:nvPr/>
+        </p:nvPicPr>
+        <p:blipFill>
+          <a:blip r:embed="rId4"/>
+          <a:stretch>
+            <a:fillRect/>
+          </a:stretch>
+        </p:blipFill>
+        <p:spPr>
+          <a:xfrm>
+            <a:off x="2514600" y="3390571"/>
+            <a:ext cx="2071688" cy="341722"/>
+          </a:xfrm>
+          <a:prstGeom prst="rect">
+            <a:avLst/>
+          </a:prstGeom>
+        </p:spPr>
+      </p:pic>
+    </p:spTree>
+    <p:extLst>
+      <p:ext uri="{BB962C8B-B14F-4D97-AF65-F5344CB8AC3E}">
+        <p14:creationId xmlns:p14="http://schemas.microsoft.com/office/powerpoint/2010/main" val="3496805209"/>
+      </p:ext>
+    </p:extLst>
+  </p:cSld>
+  <p:clrMapOvr>
+    <a:masterClrMapping/>
+  </p:clrMapOvr>
+</p:sld>
+</file>
+
+<file path=ppt/slides/slide56.xml><?xml version="1.0" encoding="utf-8"?>
+<p:sld xmlns:a="http://schemas.openxmlformats.org/drawingml/2006/main" xmlns:r="http://schemas.openxmlformats.org/officeDocument/2006/relationships" xmlns:p="http://schemas.openxmlformats.org/presentationml/2006/main">
+  <p:cSld>
+    <p:spTree>
+      <p:nvGrpSpPr>
+        <p:cNvPr id="1" name=""/>
+        <p:cNvGrpSpPr/>
+        <p:nvPr/>
+      </p:nvGrpSpPr>
+      <p:grpSpPr>
+        <a:xfrm>
+          <a:off x="0" y="0"/>
+          <a:ext cx="0" cy="0"/>
+          <a:chOff x="0" y="0"/>
+          <a:chExt cx="0" cy="0"/>
+        </a:xfrm>
+      </p:grpSpPr>
+      <p:sp>
+        <p:nvSpPr>
+          <p:cNvPr id="2" name="Title 1"/>
+          <p:cNvSpPr>
+            <a:spLocks noGrp="1"/>
+          </p:cNvSpPr>
+          <p:nvPr>
+            <p:ph type="title"/>
+          </p:nvPr>
+        </p:nvSpPr>
+        <p:spPr/>
+        <p:txBody>
+          <a:bodyPr/>
+          <a:lstStyle/>
+          <a:p>
+            <a:endParaRPr lang="en-US"/>
+          </a:p>
+        </p:txBody>
+      </p:sp>
+      <p:pic>
+        <p:nvPicPr>
+          <p:cNvPr id="3" name="Picture 2"/>
+          <p:cNvPicPr>
+            <a:picLocks noChangeAspect="1"/>
+          </p:cNvPicPr>
+          <p:nvPr/>
+        </p:nvPicPr>
+        <p:blipFill>
+          <a:blip r:embed="rId2"/>
+          <a:stretch>
+            <a:fillRect/>
+          </a:stretch>
+        </p:blipFill>
+        <p:spPr>
+          <a:xfrm>
+            <a:off x="533400" y="1752600"/>
+            <a:ext cx="7124700" cy="1093236"/>
+          </a:xfrm>
+          <a:prstGeom prst="rect">
+            <a:avLst/>
+          </a:prstGeom>
+        </p:spPr>
+      </p:pic>
+      <p:pic>
+        <p:nvPicPr>
+          <p:cNvPr id="4" name="Picture 3"/>
+          <p:cNvPicPr>
+            <a:picLocks noChangeAspect="1"/>
+          </p:cNvPicPr>
+          <p:nvPr/>
+        </p:nvPicPr>
+        <p:blipFill>
+          <a:blip r:embed="rId3"/>
+          <a:stretch>
+            <a:fillRect/>
+          </a:stretch>
+        </p:blipFill>
+        <p:spPr>
+          <a:xfrm>
+            <a:off x="390525" y="3039244"/>
+            <a:ext cx="7267575" cy="307335"/>
+          </a:xfrm>
+          <a:prstGeom prst="rect">
+            <a:avLst/>
+          </a:prstGeom>
+        </p:spPr>
+      </p:pic>
+    </p:spTree>
+    <p:extLst>
+      <p:ext uri="{BB962C8B-B14F-4D97-AF65-F5344CB8AC3E}">
+        <p14:creationId xmlns:p14="http://schemas.microsoft.com/office/powerpoint/2010/main" val="500290250"/>
+      </p:ext>
+    </p:extLst>
+  </p:cSld>
+  <p:clrMapOvr>
+    <a:masterClrMapping/>
+  </p:clrMapOvr>
+</p:sld>
+</file>
+
+<file path=ppt/slides/slide57.xml><?xml version="1.0" encoding="utf-8"?>
+<p:sld xmlns:a="http://schemas.openxmlformats.org/drawingml/2006/main" xmlns:r="http://schemas.openxmlformats.org/officeDocument/2006/relationships" xmlns:p="http://schemas.openxmlformats.org/presentationml/2006/main">
+  <p:cSld>
+    <p:spTree>
+      <p:nvGrpSpPr>
+        <p:cNvPr id="1" name=""/>
+        <p:cNvGrpSpPr/>
+        <p:nvPr/>
+      </p:nvGrpSpPr>
+      <p:grpSpPr>
+        <a:xfrm>
+          <a:off x="0" y="0"/>
+          <a:ext cx="0" cy="0"/>
+          <a:chOff x="0" y="0"/>
+          <a:chExt cx="0" cy="0"/>
+        </a:xfrm>
+      </p:grpSpPr>
+      <p:sp>
+        <p:nvSpPr>
+          <p:cNvPr id="2" name="Title 1"/>
+          <p:cNvSpPr>
+            <a:spLocks noGrp="1"/>
+          </p:cNvSpPr>
+          <p:nvPr>
+            <p:ph type="title"/>
+          </p:nvPr>
+        </p:nvSpPr>
+        <p:spPr/>
+        <p:txBody>
+          <a:bodyPr/>
+          <a:lstStyle/>
+          <a:p>
+            <a:endParaRPr lang="en-US"/>
+          </a:p>
+        </p:txBody>
+      </p:sp>
+      <p:pic>
+        <p:nvPicPr>
+          <p:cNvPr id="3" name="Picture 2"/>
+          <p:cNvPicPr>
+            <a:picLocks noChangeAspect="1"/>
+          </p:cNvPicPr>
+          <p:nvPr/>
+        </p:nvPicPr>
+        <p:blipFill>
+          <a:blip r:embed="rId2"/>
+          <a:stretch>
+            <a:fillRect/>
+          </a:stretch>
+        </p:blipFill>
+        <p:spPr>
+          <a:xfrm>
+            <a:off x="533400" y="1752600"/>
+            <a:ext cx="7124700" cy="1093236"/>
+          </a:xfrm>
+          <a:prstGeom prst="rect">
+            <a:avLst/>
+          </a:prstGeom>
+        </p:spPr>
+      </p:pic>
+      <p:pic>
+        <p:nvPicPr>
+          <p:cNvPr id="4" name="Picture 3"/>
+          <p:cNvPicPr>
+            <a:picLocks noChangeAspect="1"/>
+          </p:cNvPicPr>
+          <p:nvPr/>
+        </p:nvPicPr>
+        <p:blipFill>
+          <a:blip r:embed="rId3"/>
+          <a:stretch>
+            <a:fillRect/>
+          </a:stretch>
+        </p:blipFill>
+        <p:spPr>
+          <a:xfrm>
+            <a:off x="390525" y="3039244"/>
+            <a:ext cx="7267575" cy="307335"/>
+          </a:xfrm>
+          <a:prstGeom prst="rect">
+            <a:avLst/>
+          </a:prstGeom>
+        </p:spPr>
+      </p:pic>
+      <p:pic>
+        <p:nvPicPr>
+          <p:cNvPr id="5" name="Picture 4"/>
+          <p:cNvPicPr>
+            <a:picLocks noChangeAspect="1"/>
+          </p:cNvPicPr>
+          <p:nvPr/>
+        </p:nvPicPr>
+        <p:blipFill>
+          <a:blip r:embed="rId4"/>
+          <a:stretch>
+            <a:fillRect/>
+          </a:stretch>
+        </p:blipFill>
+        <p:spPr>
+          <a:xfrm>
+            <a:off x="762000" y="3886200"/>
+            <a:ext cx="2309813" cy="243451"/>
+          </a:xfrm>
+          <a:prstGeom prst="rect">
+            <a:avLst/>
+          </a:prstGeom>
+        </p:spPr>
+      </p:pic>
+      <p:pic>
+        <p:nvPicPr>
+          <p:cNvPr id="6" name="Picture 5"/>
+          <p:cNvPicPr>
+            <a:picLocks noChangeAspect="1"/>
+          </p:cNvPicPr>
+          <p:nvPr/>
+        </p:nvPicPr>
+        <p:blipFill>
+          <a:blip r:embed="rId5"/>
+          <a:stretch>
+            <a:fillRect/>
+          </a:stretch>
+        </p:blipFill>
+        <p:spPr>
+          <a:xfrm>
+            <a:off x="709612" y="4419600"/>
+            <a:ext cx="3976688" cy="858525"/>
+          </a:xfrm>
+          <a:prstGeom prst="rect">
+            <a:avLst/>
+          </a:prstGeom>
+        </p:spPr>
+      </p:pic>
+      <p:sp>
+        <p:nvSpPr>
+          <p:cNvPr id="7" name="Oval Callout 6"/>
+          <p:cNvSpPr/>
+          <p:nvPr/>
+        </p:nvSpPr>
+        <p:spPr>
+          <a:xfrm>
+            <a:off x="4419600" y="3886200"/>
+            <a:ext cx="2514600" cy="533400"/>
+          </a:xfrm>
+          <a:prstGeom prst="wedgeEllipseCallout">
+            <a:avLst>
+              <a:gd name="adj1" fmla="val -10443"/>
+              <a:gd name="adj2" fmla="val -151377"/>
+            </a:avLst>
+          </a:prstGeom>
+          <a:solidFill>
+            <a:srgbClr val="FF6699"/>
+          </a:solidFill>
+        </p:spPr>
+        <p:style>
+          <a:lnRef idx="2">
+            <a:schemeClr val="accent1">
+              <a:shade val="50000"/>
+            </a:schemeClr>
+          </a:lnRef>
+          <a:fillRef idx="1">
+            <a:schemeClr val="accent1"/>
+          </a:fillRef>
+          <a:effectRef idx="0">
+            <a:schemeClr val="accent1"/>
+          </a:effectRef>
+          <a:fontRef idx="minor">
+            <a:schemeClr val="lt1"/>
+          </a:fontRef>
+        </p:style>
+        <p:txBody>
+          <a:bodyPr rtlCol="0" anchor="ctr"/>
+          <a:lstStyle/>
+          <a:p>
+            <a:pPr algn="ctr"/>
+            <a:r>
+              <a:rPr lang="en-US" dirty="0" smtClean="0"/>
+              <a:t>Not efficient</a:t>
+            </a:r>
+            <a:endParaRPr lang="en-US" dirty="0"/>
+          </a:p>
+        </p:txBody>
+      </p:sp>
+    </p:spTree>
+    <p:extLst>
+      <p:ext uri="{BB962C8B-B14F-4D97-AF65-F5344CB8AC3E}">
+        <p14:creationId xmlns:p14="http://schemas.microsoft.com/office/powerpoint/2010/main" val="3675523524"/>
+      </p:ext>
+    </p:extLst>
+  </p:cSld>
+  <p:clrMapOvr>
+    <a:masterClrMapping/>
+  </p:clrMapOvr>
+</p:sld>
+</file>
+
+<file path=ppt/slides/slide58.xml><?xml version="1.0" encoding="utf-8"?>
+<p:sld xmlns:a="http://schemas.openxmlformats.org/drawingml/2006/main" xmlns:r="http://schemas.openxmlformats.org/officeDocument/2006/relationships" xmlns:p="http://schemas.openxmlformats.org/presentationml/2006/main">
+  <p:cSld>
+    <p:spTree>
+      <p:nvGrpSpPr>
+        <p:cNvPr id="1" name=""/>
+        <p:cNvGrpSpPr/>
+        <p:nvPr/>
+      </p:nvGrpSpPr>
+      <p:grpSpPr>
+        <a:xfrm>
+          <a:off x="0" y="0"/>
+          <a:ext cx="0" cy="0"/>
+          <a:chOff x="0" y="0"/>
+          <a:chExt cx="0" cy="0"/>
+        </a:xfrm>
+      </p:grpSpPr>
+      <p:sp>
+        <p:nvSpPr>
+          <p:cNvPr id="2" name="Title 1"/>
+          <p:cNvSpPr>
+            <a:spLocks noGrp="1"/>
+          </p:cNvSpPr>
+          <p:nvPr>
+            <p:ph type="title"/>
+          </p:nvPr>
+        </p:nvSpPr>
+        <p:spPr/>
+        <p:txBody>
+          <a:bodyPr/>
+          <a:lstStyle/>
+          <a:p>
+            <a:endParaRPr lang="en-US"/>
+          </a:p>
+        </p:txBody>
+      </p:sp>
+      <p:pic>
+        <p:nvPicPr>
+          <p:cNvPr id="3" name="Picture 2"/>
+          <p:cNvPicPr>
+            <a:picLocks noChangeAspect="1"/>
+          </p:cNvPicPr>
+          <p:nvPr/>
+        </p:nvPicPr>
+        <p:blipFill>
+          <a:blip r:embed="rId2"/>
+          <a:stretch>
+            <a:fillRect/>
+          </a:stretch>
+        </p:blipFill>
+        <p:spPr>
+          <a:xfrm>
+            <a:off x="914400" y="1752600"/>
+            <a:ext cx="7239000" cy="1849149"/>
+          </a:xfrm>
+          <a:prstGeom prst="rect">
+            <a:avLst/>
+          </a:prstGeom>
+        </p:spPr>
+      </p:pic>
+    </p:spTree>
+    <p:extLst>
+      <p:ext uri="{BB962C8B-B14F-4D97-AF65-F5344CB8AC3E}">
+        <p14:creationId xmlns:p14="http://schemas.microsoft.com/office/powerpoint/2010/main" val="2544844114"/>
+      </p:ext>
+    </p:extLst>
+  </p:cSld>
+  <p:clrMapOvr>
+    <a:masterClrMapping/>
+  </p:clrMapOvr>
+</p:sld>
+</file>
+
+<file path=ppt/slides/slide59.xml><?xml version="1.0" encoding="utf-8"?>
+<p:sld xmlns:a="http://schemas.openxmlformats.org/drawingml/2006/main" xmlns:r="http://schemas.openxmlformats.org/officeDocument/2006/relationships" xmlns:p="http://schemas.openxmlformats.org/presentationml/2006/main">
+  <p:cSld>
+    <p:spTree>
+      <p:nvGrpSpPr>
+        <p:cNvPr id="1" name=""/>
+        <p:cNvGrpSpPr/>
+        <p:nvPr/>
+      </p:nvGrpSpPr>
+      <p:grpSpPr>
+        <a:xfrm>
+          <a:off x="0" y="0"/>
+          <a:ext cx="0" cy="0"/>
+          <a:chOff x="0" y="0"/>
+          <a:chExt cx="0" cy="0"/>
+        </a:xfrm>
+      </p:grpSpPr>
+      <p:sp>
+        <p:nvSpPr>
+          <p:cNvPr id="2" name="Title 1"/>
+          <p:cNvSpPr>
+            <a:spLocks noGrp="1"/>
+          </p:cNvSpPr>
+          <p:nvPr>
+            <p:ph type="title"/>
+          </p:nvPr>
+        </p:nvSpPr>
+        <p:spPr/>
+        <p:txBody>
+          <a:bodyPr/>
+          <a:lstStyle/>
+          <a:p>
+            <a:endParaRPr lang="en-US"/>
+          </a:p>
+        </p:txBody>
+      </p:sp>
+      <p:pic>
+        <p:nvPicPr>
+          <p:cNvPr id="3" name="Picture 2"/>
+          <p:cNvPicPr>
+            <a:picLocks noChangeAspect="1"/>
+          </p:cNvPicPr>
+          <p:nvPr/>
+        </p:nvPicPr>
+        <p:blipFill>
+          <a:blip r:embed="rId2"/>
+          <a:stretch>
+            <a:fillRect/>
+          </a:stretch>
+        </p:blipFill>
+        <p:spPr>
+          <a:xfrm>
+            <a:off x="914400" y="1752600"/>
+            <a:ext cx="7239000" cy="1849149"/>
+          </a:xfrm>
+          <a:prstGeom prst="rect">
+            <a:avLst/>
+          </a:prstGeom>
+        </p:spPr>
+      </p:pic>
+      <p:pic>
+        <p:nvPicPr>
+          <p:cNvPr id="4" name="Picture 3"/>
+          <p:cNvPicPr>
+            <a:picLocks noChangeAspect="1"/>
+          </p:cNvPicPr>
+          <p:nvPr/>
+        </p:nvPicPr>
+        <p:blipFill>
+          <a:blip r:embed="rId3"/>
+          <a:stretch>
+            <a:fillRect/>
+          </a:stretch>
+        </p:blipFill>
+        <p:spPr>
+          <a:xfrm>
+            <a:off x="750151" y="4104669"/>
+            <a:ext cx="7403249" cy="1740960"/>
+          </a:xfrm>
+          <a:prstGeom prst="rect">
+            <a:avLst/>
+          </a:prstGeom>
+        </p:spPr>
+      </p:pic>
+    </p:spTree>
+    <p:extLst>
+      <p:ext uri="{BB962C8B-B14F-4D97-AF65-F5344CB8AC3E}">
+        <p14:creationId xmlns:p14="http://schemas.microsoft.com/office/powerpoint/2010/main" val="1532812853"/>
+      </p:ext>
+    </p:extLst>
+  </p:cSld>
+  <p:clrMapOvr>
+    <a:masterClrMapping/>
+  </p:clrMapOvr>
+</p:sld>
+</file>
+
 <file path=ppt/slides/slide6.xml><?xml version="1.0" encoding="utf-8"?>
 <p:sld xmlns:a="http://schemas.openxmlformats.org/drawingml/2006/main" xmlns:r="http://schemas.openxmlformats.org/officeDocument/2006/relationships" xmlns:p="http://schemas.openxmlformats.org/presentationml/2006/main">
   <p:cSld>
@@ -9623,6 +11130,589 @@
     <p:extLst>
       <p:ext uri="{BB962C8B-B14F-4D97-AF65-F5344CB8AC3E}">
         <p14:creationId xmlns:p14="http://schemas.microsoft.com/office/powerpoint/2010/main" val="2883195544"/>
+      </p:ext>
+    </p:extLst>
+  </p:cSld>
+  <p:clrMapOvr>
+    <a:masterClrMapping/>
+  </p:clrMapOvr>
+</p:sld>
+</file>
+
+<file path=ppt/slides/slide60.xml><?xml version="1.0" encoding="utf-8"?>
+<p:sld xmlns:a="http://schemas.openxmlformats.org/drawingml/2006/main" xmlns:r="http://schemas.openxmlformats.org/officeDocument/2006/relationships" xmlns:p="http://schemas.openxmlformats.org/presentationml/2006/main">
+  <p:cSld>
+    <p:spTree>
+      <p:nvGrpSpPr>
+        <p:cNvPr id="1" name=""/>
+        <p:cNvGrpSpPr/>
+        <p:nvPr/>
+      </p:nvGrpSpPr>
+      <p:grpSpPr>
+        <a:xfrm>
+          <a:off x="0" y="0"/>
+          <a:ext cx="0" cy="0"/>
+          <a:chOff x="0" y="0"/>
+          <a:chExt cx="0" cy="0"/>
+        </a:xfrm>
+      </p:grpSpPr>
+      <p:sp>
+        <p:nvSpPr>
+          <p:cNvPr id="2" name="Title 1"/>
+          <p:cNvSpPr>
+            <a:spLocks noGrp="1"/>
+          </p:cNvSpPr>
+          <p:nvPr>
+            <p:ph type="title"/>
+          </p:nvPr>
+        </p:nvSpPr>
+        <p:spPr/>
+        <p:txBody>
+          <a:bodyPr/>
+          <a:lstStyle/>
+          <a:p>
+            <a:endParaRPr lang="en-US"/>
+          </a:p>
+        </p:txBody>
+      </p:sp>
+      <p:pic>
+        <p:nvPicPr>
+          <p:cNvPr id="3" name="Picture 2"/>
+          <p:cNvPicPr>
+            <a:picLocks noChangeAspect="1"/>
+          </p:cNvPicPr>
+          <p:nvPr/>
+        </p:nvPicPr>
+        <p:blipFill>
+          <a:blip r:embed="rId2"/>
+          <a:stretch>
+            <a:fillRect/>
+          </a:stretch>
+        </p:blipFill>
+        <p:spPr>
+          <a:xfrm>
+            <a:off x="304800" y="1752600"/>
+            <a:ext cx="8458200" cy="387554"/>
+          </a:xfrm>
+          <a:prstGeom prst="rect">
+            <a:avLst/>
+          </a:prstGeom>
+        </p:spPr>
+      </p:pic>
+    </p:spTree>
+    <p:extLst>
+      <p:ext uri="{BB962C8B-B14F-4D97-AF65-F5344CB8AC3E}">
+        <p14:creationId xmlns:p14="http://schemas.microsoft.com/office/powerpoint/2010/main" val="3117263155"/>
+      </p:ext>
+    </p:extLst>
+  </p:cSld>
+  <p:clrMapOvr>
+    <a:masterClrMapping/>
+  </p:clrMapOvr>
+</p:sld>
+</file>
+
+<file path=ppt/slides/slide61.xml><?xml version="1.0" encoding="utf-8"?>
+<p:sld xmlns:a="http://schemas.openxmlformats.org/drawingml/2006/main" xmlns:r="http://schemas.openxmlformats.org/officeDocument/2006/relationships" xmlns:p="http://schemas.openxmlformats.org/presentationml/2006/main">
+  <p:cSld>
+    <p:spTree>
+      <p:nvGrpSpPr>
+        <p:cNvPr id="1" name=""/>
+        <p:cNvGrpSpPr/>
+        <p:nvPr/>
+      </p:nvGrpSpPr>
+      <p:grpSpPr>
+        <a:xfrm>
+          <a:off x="0" y="0"/>
+          <a:ext cx="0" cy="0"/>
+          <a:chOff x="0" y="0"/>
+          <a:chExt cx="0" cy="0"/>
+        </a:xfrm>
+      </p:grpSpPr>
+      <p:sp>
+        <p:nvSpPr>
+          <p:cNvPr id="2" name="Title 1"/>
+          <p:cNvSpPr>
+            <a:spLocks noGrp="1"/>
+          </p:cNvSpPr>
+          <p:nvPr>
+            <p:ph type="title"/>
+          </p:nvPr>
+        </p:nvSpPr>
+        <p:spPr/>
+        <p:txBody>
+          <a:bodyPr/>
+          <a:lstStyle/>
+          <a:p>
+            <a:endParaRPr lang="en-US"/>
+          </a:p>
+        </p:txBody>
+      </p:sp>
+      <p:pic>
+        <p:nvPicPr>
+          <p:cNvPr id="3" name="Picture 2"/>
+          <p:cNvPicPr>
+            <a:picLocks noChangeAspect="1"/>
+          </p:cNvPicPr>
+          <p:nvPr/>
+        </p:nvPicPr>
+        <p:blipFill>
+          <a:blip r:embed="rId2"/>
+          <a:stretch>
+            <a:fillRect/>
+          </a:stretch>
+        </p:blipFill>
+        <p:spPr>
+          <a:xfrm>
+            <a:off x="304800" y="1752600"/>
+            <a:ext cx="8458200" cy="387554"/>
+          </a:xfrm>
+          <a:prstGeom prst="rect">
+            <a:avLst/>
+          </a:prstGeom>
+        </p:spPr>
+      </p:pic>
+      <p:pic>
+        <p:nvPicPr>
+          <p:cNvPr id="4" name="Picture 3"/>
+          <p:cNvPicPr>
+            <a:picLocks noChangeAspect="1"/>
+          </p:cNvPicPr>
+          <p:nvPr/>
+        </p:nvPicPr>
+        <p:blipFill>
+          <a:blip r:embed="rId3"/>
+          <a:stretch>
+            <a:fillRect/>
+          </a:stretch>
+        </p:blipFill>
+        <p:spPr>
+          <a:xfrm>
+            <a:off x="269966" y="2438400"/>
+            <a:ext cx="8582025" cy="634993"/>
+          </a:xfrm>
+          <a:prstGeom prst="rect">
+            <a:avLst/>
+          </a:prstGeom>
+        </p:spPr>
+      </p:pic>
+    </p:spTree>
+    <p:extLst>
+      <p:ext uri="{BB962C8B-B14F-4D97-AF65-F5344CB8AC3E}">
+        <p14:creationId xmlns:p14="http://schemas.microsoft.com/office/powerpoint/2010/main" val="1873722322"/>
+      </p:ext>
+    </p:extLst>
+  </p:cSld>
+  <p:clrMapOvr>
+    <a:masterClrMapping/>
+  </p:clrMapOvr>
+</p:sld>
+</file>
+
+<file path=ppt/slides/slide62.xml><?xml version="1.0" encoding="utf-8"?>
+<p:sld xmlns:a="http://schemas.openxmlformats.org/drawingml/2006/main" xmlns:r="http://schemas.openxmlformats.org/officeDocument/2006/relationships" xmlns:p="http://schemas.openxmlformats.org/presentationml/2006/main">
+  <p:cSld>
+    <p:spTree>
+      <p:nvGrpSpPr>
+        <p:cNvPr id="1" name=""/>
+        <p:cNvGrpSpPr/>
+        <p:nvPr/>
+      </p:nvGrpSpPr>
+      <p:grpSpPr>
+        <a:xfrm>
+          <a:off x="0" y="0"/>
+          <a:ext cx="0" cy="0"/>
+          <a:chOff x="0" y="0"/>
+          <a:chExt cx="0" cy="0"/>
+        </a:xfrm>
+      </p:grpSpPr>
+      <p:sp>
+        <p:nvSpPr>
+          <p:cNvPr id="2" name="Title 1"/>
+          <p:cNvSpPr>
+            <a:spLocks noGrp="1"/>
+          </p:cNvSpPr>
+          <p:nvPr>
+            <p:ph type="title"/>
+          </p:nvPr>
+        </p:nvSpPr>
+        <p:spPr/>
+        <p:txBody>
+          <a:bodyPr/>
+          <a:lstStyle/>
+          <a:p>
+            <a:endParaRPr lang="en-US"/>
+          </a:p>
+        </p:txBody>
+      </p:sp>
+      <p:pic>
+        <p:nvPicPr>
+          <p:cNvPr id="3" name="Picture 2"/>
+          <p:cNvPicPr>
+            <a:picLocks noChangeAspect="1"/>
+          </p:cNvPicPr>
+          <p:nvPr/>
+        </p:nvPicPr>
+        <p:blipFill>
+          <a:blip r:embed="rId2"/>
+          <a:stretch>
+            <a:fillRect/>
+          </a:stretch>
+        </p:blipFill>
+        <p:spPr>
+          <a:xfrm>
+            <a:off x="402431" y="1752600"/>
+            <a:ext cx="8567738" cy="725209"/>
+          </a:xfrm>
+          <a:prstGeom prst="rect">
+            <a:avLst/>
+          </a:prstGeom>
+        </p:spPr>
+      </p:pic>
+    </p:spTree>
+    <p:extLst>
+      <p:ext uri="{BB962C8B-B14F-4D97-AF65-F5344CB8AC3E}">
+        <p14:creationId xmlns:p14="http://schemas.microsoft.com/office/powerpoint/2010/main" val="834555572"/>
+      </p:ext>
+    </p:extLst>
+  </p:cSld>
+  <p:clrMapOvr>
+    <a:masterClrMapping/>
+  </p:clrMapOvr>
+</p:sld>
+</file>
+
+<file path=ppt/slides/slide63.xml><?xml version="1.0" encoding="utf-8"?>
+<p:sld xmlns:a="http://schemas.openxmlformats.org/drawingml/2006/main" xmlns:r="http://schemas.openxmlformats.org/officeDocument/2006/relationships" xmlns:p="http://schemas.openxmlformats.org/presentationml/2006/main">
+  <p:cSld>
+    <p:spTree>
+      <p:nvGrpSpPr>
+        <p:cNvPr id="1" name=""/>
+        <p:cNvGrpSpPr/>
+        <p:nvPr/>
+      </p:nvGrpSpPr>
+      <p:grpSpPr>
+        <a:xfrm>
+          <a:off x="0" y="0"/>
+          <a:ext cx="0" cy="0"/>
+          <a:chOff x="0" y="0"/>
+          <a:chExt cx="0" cy="0"/>
+        </a:xfrm>
+      </p:grpSpPr>
+      <p:sp>
+        <p:nvSpPr>
+          <p:cNvPr id="2" name="Title 1"/>
+          <p:cNvSpPr>
+            <a:spLocks noGrp="1"/>
+          </p:cNvSpPr>
+          <p:nvPr>
+            <p:ph type="title"/>
+          </p:nvPr>
+        </p:nvSpPr>
+        <p:spPr/>
+        <p:txBody>
+          <a:bodyPr/>
+          <a:lstStyle/>
+          <a:p>
+            <a:endParaRPr lang="en-US"/>
+          </a:p>
+        </p:txBody>
+      </p:sp>
+      <p:pic>
+        <p:nvPicPr>
+          <p:cNvPr id="3" name="Picture 2"/>
+          <p:cNvPicPr>
+            <a:picLocks noChangeAspect="1"/>
+          </p:cNvPicPr>
+          <p:nvPr/>
+        </p:nvPicPr>
+        <p:blipFill>
+          <a:blip r:embed="rId2"/>
+          <a:stretch>
+            <a:fillRect/>
+          </a:stretch>
+        </p:blipFill>
+        <p:spPr>
+          <a:xfrm>
+            <a:off x="402431" y="1752600"/>
+            <a:ext cx="8567738" cy="725209"/>
+          </a:xfrm>
+          <a:prstGeom prst="rect">
+            <a:avLst/>
+          </a:prstGeom>
+        </p:spPr>
+      </p:pic>
+      <p:pic>
+        <p:nvPicPr>
+          <p:cNvPr id="4" name="Picture 3"/>
+          <p:cNvPicPr>
+            <a:picLocks noChangeAspect="1"/>
+          </p:cNvPicPr>
+          <p:nvPr/>
+        </p:nvPicPr>
+        <p:blipFill>
+          <a:blip r:embed="rId3"/>
+          <a:stretch>
+            <a:fillRect/>
+          </a:stretch>
+        </p:blipFill>
+        <p:spPr>
+          <a:xfrm>
+            <a:off x="574766" y="2974198"/>
+            <a:ext cx="7962900" cy="960438"/>
+          </a:xfrm>
+          <a:prstGeom prst="rect">
+            <a:avLst/>
+          </a:prstGeom>
+        </p:spPr>
+      </p:pic>
+    </p:spTree>
+    <p:extLst>
+      <p:ext uri="{BB962C8B-B14F-4D97-AF65-F5344CB8AC3E}">
+        <p14:creationId xmlns:p14="http://schemas.microsoft.com/office/powerpoint/2010/main" val="418664089"/>
+      </p:ext>
+    </p:extLst>
+  </p:cSld>
+  <p:clrMapOvr>
+    <a:masterClrMapping/>
+  </p:clrMapOvr>
+</p:sld>
+</file>
+
+<file path=ppt/slides/slide64.xml><?xml version="1.0" encoding="utf-8"?>
+<p:sld xmlns:a="http://schemas.openxmlformats.org/drawingml/2006/main" xmlns:r="http://schemas.openxmlformats.org/officeDocument/2006/relationships" xmlns:p="http://schemas.openxmlformats.org/presentationml/2006/main">
+  <p:cSld>
+    <p:spTree>
+      <p:nvGrpSpPr>
+        <p:cNvPr id="1" name=""/>
+        <p:cNvGrpSpPr/>
+        <p:nvPr/>
+      </p:nvGrpSpPr>
+      <p:grpSpPr>
+        <a:xfrm>
+          <a:off x="0" y="0"/>
+          <a:ext cx="0" cy="0"/>
+          <a:chOff x="0" y="0"/>
+          <a:chExt cx="0" cy="0"/>
+        </a:xfrm>
+      </p:grpSpPr>
+      <p:sp>
+        <p:nvSpPr>
+          <p:cNvPr id="2" name="Title 1"/>
+          <p:cNvSpPr>
+            <a:spLocks noGrp="1"/>
+          </p:cNvSpPr>
+          <p:nvPr>
+            <p:ph type="title"/>
+          </p:nvPr>
+        </p:nvSpPr>
+        <p:spPr/>
+        <p:txBody>
+          <a:bodyPr/>
+          <a:lstStyle/>
+          <a:p>
+            <a:endParaRPr lang="en-US"/>
+          </a:p>
+        </p:txBody>
+      </p:sp>
+      <p:pic>
+        <p:nvPicPr>
+          <p:cNvPr id="3" name="Picture 2"/>
+          <p:cNvPicPr>
+            <a:picLocks noChangeAspect="1"/>
+          </p:cNvPicPr>
+          <p:nvPr/>
+        </p:nvPicPr>
+        <p:blipFill>
+          <a:blip r:embed="rId2"/>
+          <a:stretch>
+            <a:fillRect/>
+          </a:stretch>
+        </p:blipFill>
+        <p:spPr>
+          <a:xfrm>
+            <a:off x="152400" y="1676400"/>
+            <a:ext cx="8776993" cy="1905000"/>
+          </a:xfrm>
+          <a:prstGeom prst="rect">
+            <a:avLst/>
+          </a:prstGeom>
+        </p:spPr>
+      </p:pic>
+    </p:spTree>
+    <p:extLst>
+      <p:ext uri="{BB962C8B-B14F-4D97-AF65-F5344CB8AC3E}">
+        <p14:creationId xmlns:p14="http://schemas.microsoft.com/office/powerpoint/2010/main" val="3228440908"/>
+      </p:ext>
+    </p:extLst>
+  </p:cSld>
+  <p:clrMapOvr>
+    <a:masterClrMapping/>
+  </p:clrMapOvr>
+</p:sld>
+</file>
+
+<file path=ppt/slides/slide65.xml><?xml version="1.0" encoding="utf-8"?>
+<p:sld xmlns:a="http://schemas.openxmlformats.org/drawingml/2006/main" xmlns:r="http://schemas.openxmlformats.org/officeDocument/2006/relationships" xmlns:p="http://schemas.openxmlformats.org/presentationml/2006/main">
+  <p:cSld>
+    <p:spTree>
+      <p:nvGrpSpPr>
+        <p:cNvPr id="1" name=""/>
+        <p:cNvGrpSpPr/>
+        <p:nvPr/>
+      </p:nvGrpSpPr>
+      <p:grpSpPr>
+        <a:xfrm>
+          <a:off x="0" y="0"/>
+          <a:ext cx="0" cy="0"/>
+          <a:chOff x="0" y="0"/>
+          <a:chExt cx="0" cy="0"/>
+        </a:xfrm>
+      </p:grpSpPr>
+      <p:sp>
+        <p:nvSpPr>
+          <p:cNvPr id="2" name="Title 1"/>
+          <p:cNvSpPr>
+            <a:spLocks noGrp="1"/>
+          </p:cNvSpPr>
+          <p:nvPr>
+            <p:ph type="title"/>
+          </p:nvPr>
+        </p:nvSpPr>
+        <p:spPr/>
+        <p:txBody>
+          <a:bodyPr/>
+          <a:lstStyle/>
+          <a:p>
+            <a:endParaRPr lang="en-US"/>
+          </a:p>
+        </p:txBody>
+      </p:sp>
+      <p:pic>
+        <p:nvPicPr>
+          <p:cNvPr id="3" name="Picture 2"/>
+          <p:cNvPicPr>
+            <a:picLocks noChangeAspect="1"/>
+          </p:cNvPicPr>
+          <p:nvPr/>
+        </p:nvPicPr>
+        <p:blipFill>
+          <a:blip r:embed="rId2"/>
+          <a:stretch>
+            <a:fillRect/>
+          </a:stretch>
+        </p:blipFill>
+        <p:spPr>
+          <a:xfrm>
+            <a:off x="152400" y="1676400"/>
+            <a:ext cx="8776993" cy="1905000"/>
+          </a:xfrm>
+          <a:prstGeom prst="rect">
+            <a:avLst/>
+          </a:prstGeom>
+        </p:spPr>
+      </p:pic>
+      <p:pic>
+        <p:nvPicPr>
+          <p:cNvPr id="4" name="Picture 3"/>
+          <p:cNvPicPr>
+            <a:picLocks noChangeAspect="1"/>
+          </p:cNvPicPr>
+          <p:nvPr/>
+        </p:nvPicPr>
+        <p:blipFill>
+          <a:blip r:embed="rId3"/>
+          <a:stretch>
+            <a:fillRect/>
+          </a:stretch>
+        </p:blipFill>
+        <p:spPr>
+          <a:xfrm>
+            <a:off x="483246" y="4038600"/>
+            <a:ext cx="8115300" cy="2010155"/>
+          </a:xfrm>
+          <a:prstGeom prst="rect">
+            <a:avLst/>
+          </a:prstGeom>
+        </p:spPr>
+      </p:pic>
+    </p:spTree>
+    <p:extLst>
+      <p:ext uri="{BB962C8B-B14F-4D97-AF65-F5344CB8AC3E}">
+        <p14:creationId xmlns:p14="http://schemas.microsoft.com/office/powerpoint/2010/main" val="3835619497"/>
+      </p:ext>
+    </p:extLst>
+  </p:cSld>
+  <p:clrMapOvr>
+    <a:masterClrMapping/>
+  </p:clrMapOvr>
+</p:sld>
+</file>
+
+<file path=ppt/slides/slide66.xml><?xml version="1.0" encoding="utf-8"?>
+<p:sld xmlns:a="http://schemas.openxmlformats.org/drawingml/2006/main" xmlns:r="http://schemas.openxmlformats.org/officeDocument/2006/relationships" xmlns:p="http://schemas.openxmlformats.org/presentationml/2006/main">
+  <p:cSld>
+    <p:spTree>
+      <p:nvGrpSpPr>
+        <p:cNvPr id="1" name=""/>
+        <p:cNvGrpSpPr/>
+        <p:nvPr/>
+      </p:nvGrpSpPr>
+      <p:grpSpPr>
+        <a:xfrm>
+          <a:off x="0" y="0"/>
+          <a:ext cx="0" cy="0"/>
+          <a:chOff x="0" y="0"/>
+          <a:chExt cx="0" cy="0"/>
+        </a:xfrm>
+      </p:grpSpPr>
+      <p:sp>
+        <p:nvSpPr>
+          <p:cNvPr id="2" name="Title 1"/>
+          <p:cNvSpPr>
+            <a:spLocks noGrp="1"/>
+          </p:cNvSpPr>
+          <p:nvPr>
+            <p:ph type="title"/>
+          </p:nvPr>
+        </p:nvSpPr>
+        <p:spPr/>
+        <p:txBody>
+          <a:bodyPr/>
+          <a:lstStyle/>
+          <a:p>
+            <a:endParaRPr lang="en-US"/>
+          </a:p>
+        </p:txBody>
+      </p:sp>
+      <p:pic>
+        <p:nvPicPr>
+          <p:cNvPr id="3" name="Picture 2"/>
+          <p:cNvPicPr>
+            <a:picLocks noChangeAspect="1"/>
+          </p:cNvPicPr>
+          <p:nvPr/>
+        </p:nvPicPr>
+        <p:blipFill>
+          <a:blip r:embed="rId2"/>
+          <a:stretch>
+            <a:fillRect/>
+          </a:stretch>
+        </p:blipFill>
+        <p:spPr>
+          <a:xfrm>
+            <a:off x="152400" y="1752600"/>
+            <a:ext cx="8753475" cy="1911154"/>
+          </a:xfrm>
+          <a:prstGeom prst="rect">
+            <a:avLst/>
+          </a:prstGeom>
+        </p:spPr>
+      </p:pic>
+    </p:spTree>
+    <p:extLst>
+      <p:ext uri="{BB962C8B-B14F-4D97-AF65-F5344CB8AC3E}">
+        <p14:creationId xmlns:p14="http://schemas.microsoft.com/office/powerpoint/2010/main" val="1365777680"/>
       </p:ext>
     </p:extLst>
   </p:cSld>
